--- a/HTML/ppt/12.pptx
+++ b/HTML/ppt/12.pptx
@@ -126,7 +126,7 @@
   </p:defaultTextStyle>
   <p:extLst>
     <p:ext uri="{EFAFB233-063F-42B5-8137-9DF3F51BA10A}">
-      <p15:sldGuideLst xmlns:p15="http://schemas.microsoft.com/office/powerpoint/2012/main"/>
+      <p15:sldGuideLst xmlns:p15="http://schemas.microsoft.com/office/powerpoint/2012/main" xmlns=""/>
     </p:ext>
   </p:extLst>
 </p:presentation>
@@ -211,7 +211,7 @@
           <a:p>
             <a:fld id="{AA93C23F-80D8-41F7-A602-5BAA4D96D6F7}" type="datetimeFigureOut">
               <a:rPr lang="ko-KR" altLang="en-US" smtClean="0"/>
-              <a:t>2021-01-26</a:t>
+              <a:t>2021-09-23</a:t>
             </a:fld>
             <a:endParaRPr lang="ko-KR" altLang="en-US"/>
           </a:p>
@@ -264,7 +264,7 @@
           <p:cNvPr id="7" name="그림 6">
             <a:extLst>
               <a:ext uri="{FF2B5EF4-FFF2-40B4-BE49-F238E27FC236}">
-                <a16:creationId xmlns:a16="http://schemas.microsoft.com/office/drawing/2014/main" id="{07614ECC-682A-43C2-99CA-0638D3969CAD}"/>
+                <a16:creationId xmlns:a16="http://schemas.microsoft.com/office/drawing/2014/main" xmlns="" id="{07614ECC-682A-43C2-99CA-0638D3969CAD}"/>
               </a:ext>
             </a:extLst>
           </p:cNvPr>
@@ -274,7 +274,7 @@
           <p:nvPr userDrawn="1"/>
         </p:nvPicPr>
         <p:blipFill>
-          <a:blip r:embed="rId2">
+          <a:blip r:embed="rId2" cstate="print">
             <a:extLst>
               <a:ext uri="{28A0092B-C50C-407E-A947-70E740481C1C}">
                 <a14:useLocalDpi xmlns:a14="http://schemas.microsoft.com/office/drawing/2010/main" val="0"/>
@@ -300,7 +300,7 @@
           <p:cNvPr id="12" name="그림 11">
             <a:extLst>
               <a:ext uri="{FF2B5EF4-FFF2-40B4-BE49-F238E27FC236}">
-                <a16:creationId xmlns:a16="http://schemas.microsoft.com/office/drawing/2014/main" id="{2DACDF48-EF40-451F-A48F-AFF99B099716}"/>
+                <a16:creationId xmlns:a16="http://schemas.microsoft.com/office/drawing/2014/main" xmlns="" id="{2DACDF48-EF40-451F-A48F-AFF99B099716}"/>
               </a:ext>
             </a:extLst>
           </p:cNvPr>
@@ -310,7 +310,7 @@
           <p:nvPr userDrawn="1"/>
         </p:nvPicPr>
         <p:blipFill rotWithShape="1">
-          <a:blip r:embed="rId3">
+          <a:blip r:embed="rId3" cstate="print">
             <a:extLst>
               <a:ext uri="{28A0092B-C50C-407E-A947-70E740481C1C}">
                 <a14:useLocalDpi xmlns:a14="http://schemas.microsoft.com/office/drawing/2010/main" val="0"/>
@@ -340,7 +340,7 @@
           <p:cNvPr id="11" name="직사각형 10">
             <a:extLst>
               <a:ext uri="{FF2B5EF4-FFF2-40B4-BE49-F238E27FC236}">
-                <a16:creationId xmlns:a16="http://schemas.microsoft.com/office/drawing/2014/main" id="{4E0D822C-E76D-4041-9019-177102919703}"/>
+                <a16:creationId xmlns:a16="http://schemas.microsoft.com/office/drawing/2014/main" xmlns="" id="{4E0D822C-E76D-4041-9019-177102919703}"/>
               </a:ext>
             </a:extLst>
           </p:cNvPr>
@@ -509,7 +509,7 @@
           <a:p>
             <a:fld id="{AA93C23F-80D8-41F7-A602-5BAA4D96D6F7}" type="datetimeFigureOut">
               <a:rPr lang="ko-KR" altLang="en-US" smtClean="0"/>
-              <a:t>2021-01-26</a:t>
+              <a:t>2021-09-23</a:t>
             </a:fld>
             <a:endParaRPr lang="ko-KR" altLang="en-US"/>
           </a:p>
@@ -687,7 +687,7 @@
           <a:p>
             <a:fld id="{AA93C23F-80D8-41F7-A602-5BAA4D96D6F7}" type="datetimeFigureOut">
               <a:rPr lang="ko-KR" altLang="en-US" smtClean="0"/>
-              <a:t>2021-01-26</a:t>
+              <a:t>2021-09-23</a:t>
             </a:fld>
             <a:endParaRPr lang="ko-KR" altLang="en-US"/>
           </a:p>
@@ -770,7 +770,7 @@
           <p:cNvPr id="2" name="제목 1">
             <a:extLst>
               <a:ext uri="{FF2B5EF4-FFF2-40B4-BE49-F238E27FC236}">
-                <a16:creationId xmlns:a16="http://schemas.microsoft.com/office/drawing/2014/main" id="{1706266A-C624-42C8-B7AE-4176FFA57D3A}"/>
+                <a16:creationId xmlns:a16="http://schemas.microsoft.com/office/drawing/2014/main" xmlns="" id="{1706266A-C624-42C8-B7AE-4176FFA57D3A}"/>
               </a:ext>
             </a:extLst>
           </p:cNvPr>
@@ -807,7 +807,7 @@
           <p:cNvPr id="3" name="부제목 2">
             <a:extLst>
               <a:ext uri="{FF2B5EF4-FFF2-40B4-BE49-F238E27FC236}">
-                <a16:creationId xmlns:a16="http://schemas.microsoft.com/office/drawing/2014/main" id="{CF1E8150-D664-4750-BFAF-800E899E164E}"/>
+                <a16:creationId xmlns:a16="http://schemas.microsoft.com/office/drawing/2014/main" xmlns="" id="{CF1E8150-D664-4750-BFAF-800E899E164E}"/>
               </a:ext>
             </a:extLst>
           </p:cNvPr>
@@ -877,7 +877,7 @@
           <p:cNvPr id="4" name="날짜 개체 틀 3">
             <a:extLst>
               <a:ext uri="{FF2B5EF4-FFF2-40B4-BE49-F238E27FC236}">
-                <a16:creationId xmlns:a16="http://schemas.microsoft.com/office/drawing/2014/main" id="{B77FCA92-17C5-41B3-A975-E0729DBEBFBF}"/>
+                <a16:creationId xmlns:a16="http://schemas.microsoft.com/office/drawing/2014/main" xmlns="" id="{B77FCA92-17C5-41B3-A975-E0729DBEBFBF}"/>
               </a:ext>
             </a:extLst>
           </p:cNvPr>
@@ -895,7 +895,7 @@
           <a:p>
             <a:fld id="{7A0B29D9-43B6-4ACD-848D-FA6E666794B9}" type="datetimeFigureOut">
               <a:rPr lang="ko-KR" altLang="en-US" smtClean="0"/>
-              <a:t>2021-01-26</a:t>
+              <a:t>2021-09-23</a:t>
             </a:fld>
             <a:endParaRPr lang="ko-KR" altLang="en-US"/>
           </a:p>
@@ -906,7 +906,7 @@
           <p:cNvPr id="5" name="바닥글 개체 틀 4">
             <a:extLst>
               <a:ext uri="{FF2B5EF4-FFF2-40B4-BE49-F238E27FC236}">
-                <a16:creationId xmlns:a16="http://schemas.microsoft.com/office/drawing/2014/main" id="{90773A2D-2644-4295-A92E-C83D7ECA0114}"/>
+                <a16:creationId xmlns:a16="http://schemas.microsoft.com/office/drawing/2014/main" xmlns="" id="{90773A2D-2644-4295-A92E-C83D7ECA0114}"/>
               </a:ext>
             </a:extLst>
           </p:cNvPr>
@@ -931,7 +931,7 @@
           <p:cNvPr id="6" name="슬라이드 번호 개체 틀 5">
             <a:extLst>
               <a:ext uri="{FF2B5EF4-FFF2-40B4-BE49-F238E27FC236}">
-                <a16:creationId xmlns:a16="http://schemas.microsoft.com/office/drawing/2014/main" id="{8DB65557-D1D1-44F5-9A09-7A27A7500ACA}"/>
+                <a16:creationId xmlns:a16="http://schemas.microsoft.com/office/drawing/2014/main" xmlns="" id="{8DB65557-D1D1-44F5-9A09-7A27A7500ACA}"/>
               </a:ext>
             </a:extLst>
           </p:cNvPr>
@@ -1091,7 +1091,7 @@
           <a:p>
             <a:fld id="{AA93C23F-80D8-41F7-A602-5BAA4D96D6F7}" type="datetimeFigureOut">
               <a:rPr lang="ko-KR" altLang="en-US" smtClean="0"/>
-              <a:t>2021-01-26</a:t>
+              <a:t>2021-09-23</a:t>
             </a:fld>
             <a:endParaRPr lang="ko-KR" altLang="en-US"/>
           </a:p>
@@ -1336,7 +1336,7 @@
           <a:p>
             <a:fld id="{AA93C23F-80D8-41F7-A602-5BAA4D96D6F7}" type="datetimeFigureOut">
               <a:rPr lang="ko-KR" altLang="en-US" smtClean="0"/>
-              <a:t>2021-01-26</a:t>
+              <a:t>2021-09-23</a:t>
             </a:fld>
             <a:endParaRPr lang="ko-KR" altLang="en-US"/>
           </a:p>
@@ -1565,7 +1565,7 @@
           <a:p>
             <a:fld id="{AA93C23F-80D8-41F7-A602-5BAA4D96D6F7}" type="datetimeFigureOut">
               <a:rPr lang="ko-KR" altLang="en-US" smtClean="0"/>
-              <a:t>2021-01-26</a:t>
+              <a:t>2021-09-23</a:t>
             </a:fld>
             <a:endParaRPr lang="ko-KR" altLang="en-US"/>
           </a:p>
@@ -1929,7 +1929,7 @@
           <a:p>
             <a:fld id="{AA93C23F-80D8-41F7-A602-5BAA4D96D6F7}" type="datetimeFigureOut">
               <a:rPr lang="ko-KR" altLang="en-US" smtClean="0"/>
-              <a:t>2021-01-26</a:t>
+              <a:t>2021-09-23</a:t>
             </a:fld>
             <a:endParaRPr lang="ko-KR" altLang="en-US"/>
           </a:p>
@@ -2051,7 +2051,7 @@
           <a:p>
             <a:fld id="{AA93C23F-80D8-41F7-A602-5BAA4D96D6F7}" type="datetimeFigureOut">
               <a:rPr lang="ko-KR" altLang="en-US" smtClean="0"/>
-              <a:t>2021-01-26</a:t>
+              <a:t>2021-09-23</a:t>
             </a:fld>
             <a:endParaRPr lang="ko-KR" altLang="en-US"/>
           </a:p>
@@ -2146,7 +2146,7 @@
           <a:p>
             <a:fld id="{AA93C23F-80D8-41F7-A602-5BAA4D96D6F7}" type="datetimeFigureOut">
               <a:rPr lang="ko-KR" altLang="en-US" smtClean="0"/>
-              <a:t>2021-01-26</a:t>
+              <a:t>2021-09-23</a:t>
             </a:fld>
             <a:endParaRPr lang="ko-KR" altLang="en-US"/>
           </a:p>
@@ -2421,7 +2421,7 @@
           <a:p>
             <a:fld id="{AA93C23F-80D8-41F7-A602-5BAA4D96D6F7}" type="datetimeFigureOut">
               <a:rPr lang="ko-KR" altLang="en-US" smtClean="0"/>
-              <a:t>2021-01-26</a:t>
+              <a:t>2021-09-23</a:t>
             </a:fld>
             <a:endParaRPr lang="ko-KR" altLang="en-US"/>
           </a:p>
@@ -2676,7 +2676,7 @@
           <a:p>
             <a:fld id="{AA93C23F-80D8-41F7-A602-5BAA4D96D6F7}" type="datetimeFigureOut">
               <a:rPr lang="ko-KR" altLang="en-US" smtClean="0"/>
-              <a:t>2021-01-26</a:t>
+              <a:t>2021-09-23</a:t>
             </a:fld>
             <a:endParaRPr lang="ko-KR" altLang="en-US"/>
           </a:p>
@@ -2764,7 +2764,7 @@
           <p:cNvPr id="7" name="직사각형 6">
             <a:extLst>
               <a:ext uri="{FF2B5EF4-FFF2-40B4-BE49-F238E27FC236}">
-                <a16:creationId xmlns:a16="http://schemas.microsoft.com/office/drawing/2014/main" id="{63317FCE-2A0E-48C2-8A7C-05C172CEA588}"/>
+                <a16:creationId xmlns:a16="http://schemas.microsoft.com/office/drawing/2014/main" xmlns="" id="{63317FCE-2A0E-48C2-8A7C-05C172CEA588}"/>
               </a:ext>
             </a:extLst>
           </p:cNvPr>
@@ -2920,7 +2920,7 @@
           <a:p>
             <a:fld id="{AA93C23F-80D8-41F7-A602-5BAA4D96D6F7}" type="datetimeFigureOut">
               <a:rPr lang="ko-KR" altLang="en-US" smtClean="0"/>
-              <a:t>2021-01-26</a:t>
+              <a:t>2021-09-23</a:t>
             </a:fld>
             <a:endParaRPr lang="ko-KR" altLang="en-US"/>
           </a:p>
@@ -3364,7 +3364,7 @@
           <p:cNvPr id="2" name="제목 1">
             <a:extLst>
               <a:ext uri="{FF2B5EF4-FFF2-40B4-BE49-F238E27FC236}">
-                <a16:creationId xmlns:a16="http://schemas.microsoft.com/office/drawing/2014/main" id="{05C7C753-9F88-4254-9862-F6A87176F751}"/>
+                <a16:creationId xmlns:a16="http://schemas.microsoft.com/office/drawing/2014/main" xmlns="" id="{05C7C753-9F88-4254-9862-F6A87176F751}"/>
               </a:ext>
             </a:extLst>
           </p:cNvPr>
@@ -3396,7 +3396,7 @@
           <p:cNvPr id="7" name="그룹 6">
             <a:extLst>
               <a:ext uri="{FF2B5EF4-FFF2-40B4-BE49-F238E27FC236}">
-                <a16:creationId xmlns:a16="http://schemas.microsoft.com/office/drawing/2014/main" id="{3020E55D-5D6E-47B7-BF49-67DF43FF0CB8}"/>
+                <a16:creationId xmlns:a16="http://schemas.microsoft.com/office/drawing/2014/main" xmlns="" id="{3020E55D-5D6E-47B7-BF49-67DF43FF0CB8}"/>
               </a:ext>
             </a:extLst>
           </p:cNvPr>
@@ -3416,7 +3416,7 @@
             <p:cNvPr id="4" name="직사각형 3">
               <a:extLst>
                 <a:ext uri="{FF2B5EF4-FFF2-40B4-BE49-F238E27FC236}">
-                  <a16:creationId xmlns:a16="http://schemas.microsoft.com/office/drawing/2014/main" id="{7E6505BA-A9A1-46F5-BFC6-A45ABCE494AF}"/>
+                  <a16:creationId xmlns:a16="http://schemas.microsoft.com/office/drawing/2014/main" xmlns="" id="{7E6505BA-A9A1-46F5-BFC6-A45ABCE494AF}"/>
                 </a:ext>
               </a:extLst>
             </p:cNvPr>
@@ -3483,7 +3483,7 @@
             <p:cNvPr id="5" name="TextBox 4">
               <a:extLst>
                 <a:ext uri="{FF2B5EF4-FFF2-40B4-BE49-F238E27FC236}">
-                  <a16:creationId xmlns:a16="http://schemas.microsoft.com/office/drawing/2014/main" id="{2FAFC29B-A5E1-4F15-A5FF-C528129D6456}"/>
+                  <a16:creationId xmlns:a16="http://schemas.microsoft.com/office/drawing/2014/main" xmlns="" id="{2FAFC29B-A5E1-4F15-A5FF-C528129D6456}"/>
                 </a:ext>
               </a:extLst>
             </p:cNvPr>
@@ -3518,7 +3518,7 @@
             <p:cNvPr id="6" name="직선 연결선 5">
               <a:extLst>
                 <a:ext uri="{FF2B5EF4-FFF2-40B4-BE49-F238E27FC236}">
-                  <a16:creationId xmlns:a16="http://schemas.microsoft.com/office/drawing/2014/main" id="{D5239A65-4609-4585-95B3-13DD43DCD16F}"/>
+                  <a16:creationId xmlns:a16="http://schemas.microsoft.com/office/drawing/2014/main" xmlns="" id="{D5239A65-4609-4585-95B3-13DD43DCD16F}"/>
                 </a:ext>
               </a:extLst>
             </p:cNvPr>
@@ -3563,7 +3563,7 @@
           <p:cNvPr id="8" name="그룹 7">
             <a:extLst>
               <a:ext uri="{FF2B5EF4-FFF2-40B4-BE49-F238E27FC236}">
-                <a16:creationId xmlns:a16="http://schemas.microsoft.com/office/drawing/2014/main" id="{6FA151A0-A70B-4ECB-B834-2FA36AFAB799}"/>
+                <a16:creationId xmlns:a16="http://schemas.microsoft.com/office/drawing/2014/main" xmlns="" id="{6FA151A0-A70B-4ECB-B834-2FA36AFAB799}"/>
               </a:ext>
             </a:extLst>
           </p:cNvPr>
@@ -3583,7 +3583,7 @@
             <p:cNvPr id="9" name="직사각형 8">
               <a:extLst>
                 <a:ext uri="{FF2B5EF4-FFF2-40B4-BE49-F238E27FC236}">
-                  <a16:creationId xmlns:a16="http://schemas.microsoft.com/office/drawing/2014/main" id="{729669C2-A4B7-4EF9-86B1-1C6D36362C01}"/>
+                  <a16:creationId xmlns:a16="http://schemas.microsoft.com/office/drawing/2014/main" xmlns="" id="{729669C2-A4B7-4EF9-86B1-1C6D36362C01}"/>
                 </a:ext>
               </a:extLst>
             </p:cNvPr>
@@ -3650,7 +3650,7 @@
             <p:cNvPr id="10" name="TextBox 9">
               <a:extLst>
                 <a:ext uri="{FF2B5EF4-FFF2-40B4-BE49-F238E27FC236}">
-                  <a16:creationId xmlns:a16="http://schemas.microsoft.com/office/drawing/2014/main" id="{B25B4131-4EBF-441B-AD4E-84A2B057340C}"/>
+                  <a16:creationId xmlns:a16="http://schemas.microsoft.com/office/drawing/2014/main" xmlns="" id="{B25B4131-4EBF-441B-AD4E-84A2B057340C}"/>
                 </a:ext>
               </a:extLst>
             </p:cNvPr>
@@ -3685,7 +3685,7 @@
             <p:cNvPr id="11" name="직선 연결선 10">
               <a:extLst>
                 <a:ext uri="{FF2B5EF4-FFF2-40B4-BE49-F238E27FC236}">
-                  <a16:creationId xmlns:a16="http://schemas.microsoft.com/office/drawing/2014/main" id="{82885486-6CDC-406C-A1E7-DAB1AEB1039E}"/>
+                  <a16:creationId xmlns:a16="http://schemas.microsoft.com/office/drawing/2014/main" xmlns="" id="{82885486-6CDC-406C-A1E7-DAB1AEB1039E}"/>
                 </a:ext>
               </a:extLst>
             </p:cNvPr>
@@ -3730,7 +3730,7 @@
           <p:cNvPr id="12" name="그룹 11">
             <a:extLst>
               <a:ext uri="{FF2B5EF4-FFF2-40B4-BE49-F238E27FC236}">
-                <a16:creationId xmlns:a16="http://schemas.microsoft.com/office/drawing/2014/main" id="{ECA9CA37-2CFC-4D10-AFC0-EDCD2662D1D2}"/>
+                <a16:creationId xmlns:a16="http://schemas.microsoft.com/office/drawing/2014/main" xmlns="" id="{ECA9CA37-2CFC-4D10-AFC0-EDCD2662D1D2}"/>
               </a:ext>
             </a:extLst>
           </p:cNvPr>
@@ -3750,7 +3750,7 @@
             <p:cNvPr id="13" name="직사각형 12">
               <a:extLst>
                 <a:ext uri="{FF2B5EF4-FFF2-40B4-BE49-F238E27FC236}">
-                  <a16:creationId xmlns:a16="http://schemas.microsoft.com/office/drawing/2014/main" id="{9594BAE7-78C3-46E3-B899-B1AFDECC9865}"/>
+                  <a16:creationId xmlns:a16="http://schemas.microsoft.com/office/drawing/2014/main" xmlns="" id="{9594BAE7-78C3-46E3-B899-B1AFDECC9865}"/>
                 </a:ext>
               </a:extLst>
             </p:cNvPr>
@@ -3817,7 +3817,7 @@
             <p:cNvPr id="14" name="TextBox 13">
               <a:extLst>
                 <a:ext uri="{FF2B5EF4-FFF2-40B4-BE49-F238E27FC236}">
-                  <a16:creationId xmlns:a16="http://schemas.microsoft.com/office/drawing/2014/main" id="{0BE3A015-0069-4025-B119-2D41BD71C922}"/>
+                  <a16:creationId xmlns:a16="http://schemas.microsoft.com/office/drawing/2014/main" xmlns="" id="{0BE3A015-0069-4025-B119-2D41BD71C922}"/>
                 </a:ext>
               </a:extLst>
             </p:cNvPr>
@@ -3852,7 +3852,7 @@
             <p:cNvPr id="15" name="직선 연결선 14">
               <a:extLst>
                 <a:ext uri="{FF2B5EF4-FFF2-40B4-BE49-F238E27FC236}">
-                  <a16:creationId xmlns:a16="http://schemas.microsoft.com/office/drawing/2014/main" id="{DFD52048-61E4-4EAA-A9DE-36A04CD55C01}"/>
+                  <a16:creationId xmlns:a16="http://schemas.microsoft.com/office/drawing/2014/main" xmlns="" id="{DFD52048-61E4-4EAA-A9DE-36A04CD55C01}"/>
                 </a:ext>
               </a:extLst>
             </p:cNvPr>
@@ -3897,7 +3897,7 @@
           <p:cNvPr id="16" name="그룹 15">
             <a:extLst>
               <a:ext uri="{FF2B5EF4-FFF2-40B4-BE49-F238E27FC236}">
-                <a16:creationId xmlns:a16="http://schemas.microsoft.com/office/drawing/2014/main" id="{8F739F6C-4154-4693-AB5B-EC66100BC375}"/>
+                <a16:creationId xmlns:a16="http://schemas.microsoft.com/office/drawing/2014/main" xmlns="" id="{8F739F6C-4154-4693-AB5B-EC66100BC375}"/>
               </a:ext>
             </a:extLst>
           </p:cNvPr>
@@ -3917,7 +3917,7 @@
             <p:cNvPr id="17" name="직사각형 16">
               <a:extLst>
                 <a:ext uri="{FF2B5EF4-FFF2-40B4-BE49-F238E27FC236}">
-                  <a16:creationId xmlns:a16="http://schemas.microsoft.com/office/drawing/2014/main" id="{898567EB-CF5E-4384-9DE1-24EC38EA4325}"/>
+                  <a16:creationId xmlns:a16="http://schemas.microsoft.com/office/drawing/2014/main" xmlns="" id="{898567EB-CF5E-4384-9DE1-24EC38EA4325}"/>
                 </a:ext>
               </a:extLst>
             </p:cNvPr>
@@ -3984,7 +3984,7 @@
             <p:cNvPr id="18" name="TextBox 17">
               <a:extLst>
                 <a:ext uri="{FF2B5EF4-FFF2-40B4-BE49-F238E27FC236}">
-                  <a16:creationId xmlns:a16="http://schemas.microsoft.com/office/drawing/2014/main" id="{8E13618C-4E74-41DC-9AEA-6BFFDBD33202}"/>
+                  <a16:creationId xmlns:a16="http://schemas.microsoft.com/office/drawing/2014/main" xmlns="" id="{8E13618C-4E74-41DC-9AEA-6BFFDBD33202}"/>
                 </a:ext>
               </a:extLst>
             </p:cNvPr>
@@ -4019,7 +4019,7 @@
             <p:cNvPr id="19" name="직선 연결선 18">
               <a:extLst>
                 <a:ext uri="{FF2B5EF4-FFF2-40B4-BE49-F238E27FC236}">
-                  <a16:creationId xmlns:a16="http://schemas.microsoft.com/office/drawing/2014/main" id="{DA7C0198-C768-481B-AEB1-76DB57B691FE}"/>
+                  <a16:creationId xmlns:a16="http://schemas.microsoft.com/office/drawing/2014/main" xmlns="" id="{DA7C0198-C768-481B-AEB1-76DB57B691FE}"/>
                 </a:ext>
               </a:extLst>
             </p:cNvPr>
@@ -4064,7 +4064,7 @@
           <p:cNvPr id="20" name="그룹 19">
             <a:extLst>
               <a:ext uri="{FF2B5EF4-FFF2-40B4-BE49-F238E27FC236}">
-                <a16:creationId xmlns:a16="http://schemas.microsoft.com/office/drawing/2014/main" id="{39D0B6EB-D530-419B-BAE3-025AEB47296C}"/>
+                <a16:creationId xmlns:a16="http://schemas.microsoft.com/office/drawing/2014/main" xmlns="" id="{39D0B6EB-D530-419B-BAE3-025AEB47296C}"/>
               </a:ext>
             </a:extLst>
           </p:cNvPr>
@@ -4084,7 +4084,7 @@
             <p:cNvPr id="21" name="직사각형 20">
               <a:extLst>
                 <a:ext uri="{FF2B5EF4-FFF2-40B4-BE49-F238E27FC236}">
-                  <a16:creationId xmlns:a16="http://schemas.microsoft.com/office/drawing/2014/main" id="{79DF8950-14CF-45E0-9EB8-30284372F44F}"/>
+                  <a16:creationId xmlns:a16="http://schemas.microsoft.com/office/drawing/2014/main" xmlns="" id="{79DF8950-14CF-45E0-9EB8-30284372F44F}"/>
                 </a:ext>
               </a:extLst>
             </p:cNvPr>
@@ -4151,7 +4151,7 @@
             <p:cNvPr id="22" name="TextBox 21">
               <a:extLst>
                 <a:ext uri="{FF2B5EF4-FFF2-40B4-BE49-F238E27FC236}">
-                  <a16:creationId xmlns:a16="http://schemas.microsoft.com/office/drawing/2014/main" id="{047DD45D-B274-401A-88B8-7E593B340405}"/>
+                  <a16:creationId xmlns:a16="http://schemas.microsoft.com/office/drawing/2014/main" xmlns="" id="{047DD45D-B274-401A-88B8-7E593B340405}"/>
                 </a:ext>
               </a:extLst>
             </p:cNvPr>
@@ -4190,7 +4190,7 @@
             <p:cNvPr id="23" name="직선 연결선 22">
               <a:extLst>
                 <a:ext uri="{FF2B5EF4-FFF2-40B4-BE49-F238E27FC236}">
-                  <a16:creationId xmlns:a16="http://schemas.microsoft.com/office/drawing/2014/main" id="{535B7CF5-5652-404E-B43F-A9BA25784F0D}"/>
+                  <a16:creationId xmlns:a16="http://schemas.microsoft.com/office/drawing/2014/main" xmlns="" id="{535B7CF5-5652-404E-B43F-A9BA25784F0D}"/>
                 </a:ext>
               </a:extLst>
             </p:cNvPr>
@@ -4265,7 +4265,7 @@
           <p:cNvPr id="2" name="제목 1">
             <a:extLst>
               <a:ext uri="{FF2B5EF4-FFF2-40B4-BE49-F238E27FC236}">
-                <a16:creationId xmlns:a16="http://schemas.microsoft.com/office/drawing/2014/main" id="{20F42A30-7F35-4EB7-9C18-270E2E5C368E}"/>
+                <a16:creationId xmlns:a16="http://schemas.microsoft.com/office/drawing/2014/main" xmlns="" id="{20F42A30-7F35-4EB7-9C18-270E2E5C368E}"/>
               </a:ext>
             </a:extLst>
           </p:cNvPr>
@@ -4293,7 +4293,7 @@
           <p:cNvPr id="3" name="직사각형 2">
             <a:extLst>
               <a:ext uri="{FF2B5EF4-FFF2-40B4-BE49-F238E27FC236}">
-                <a16:creationId xmlns:a16="http://schemas.microsoft.com/office/drawing/2014/main" id="{6C729C6C-2759-4414-933C-1A3FAD18657E}"/>
+                <a16:creationId xmlns:a16="http://schemas.microsoft.com/office/drawing/2014/main" xmlns="" id="{6C729C6C-2759-4414-933C-1A3FAD18657E}"/>
               </a:ext>
             </a:extLst>
           </p:cNvPr>
@@ -4340,7 +4340,7 @@
           <p:cNvPr id="4" name="직사각형 3">
             <a:extLst>
               <a:ext uri="{FF2B5EF4-FFF2-40B4-BE49-F238E27FC236}">
-                <a16:creationId xmlns:a16="http://schemas.microsoft.com/office/drawing/2014/main" id="{2CE97BA8-B337-4B50-8C8E-8731C483610D}"/>
+                <a16:creationId xmlns:a16="http://schemas.microsoft.com/office/drawing/2014/main" xmlns="" id="{2CE97BA8-B337-4B50-8C8E-8731C483610D}"/>
               </a:ext>
             </a:extLst>
           </p:cNvPr>
@@ -4441,7 +4441,7 @@
           <p:cNvPr id="6" name="그림 5">
             <a:extLst>
               <a:ext uri="{FF2B5EF4-FFF2-40B4-BE49-F238E27FC236}">
-                <a16:creationId xmlns:a16="http://schemas.microsoft.com/office/drawing/2014/main" id="{1FF238E1-F8D1-40FF-B554-72EFA5F50BB0}"/>
+                <a16:creationId xmlns:a16="http://schemas.microsoft.com/office/drawing/2014/main" xmlns="" id="{1FF238E1-F8D1-40FF-B554-72EFA5F50BB0}"/>
               </a:ext>
             </a:extLst>
           </p:cNvPr>
@@ -4471,7 +4471,7 @@
           <p:cNvPr id="10" name="그림 9">
             <a:extLst>
               <a:ext uri="{FF2B5EF4-FFF2-40B4-BE49-F238E27FC236}">
-                <a16:creationId xmlns:a16="http://schemas.microsoft.com/office/drawing/2014/main" id="{37AE7E9B-0BFB-43D6-BA99-1B23C91CF885}"/>
+                <a16:creationId xmlns:a16="http://schemas.microsoft.com/office/drawing/2014/main" xmlns="" id="{37AE7E9B-0BFB-43D6-BA99-1B23C91CF885}"/>
               </a:ext>
             </a:extLst>
           </p:cNvPr>
@@ -4531,7 +4531,7 @@
           <p:cNvPr id="2" name="제목 1">
             <a:extLst>
               <a:ext uri="{FF2B5EF4-FFF2-40B4-BE49-F238E27FC236}">
-                <a16:creationId xmlns:a16="http://schemas.microsoft.com/office/drawing/2014/main" id="{20F42A30-7F35-4EB7-9C18-270E2E5C368E}"/>
+                <a16:creationId xmlns:a16="http://schemas.microsoft.com/office/drawing/2014/main" xmlns="" id="{20F42A30-7F35-4EB7-9C18-270E2E5C368E}"/>
               </a:ext>
             </a:extLst>
           </p:cNvPr>
@@ -4559,7 +4559,7 @@
           <p:cNvPr id="7" name="직사각형 6">
             <a:extLst>
               <a:ext uri="{FF2B5EF4-FFF2-40B4-BE49-F238E27FC236}">
-                <a16:creationId xmlns:a16="http://schemas.microsoft.com/office/drawing/2014/main" id="{B6B8905F-E9C5-4D4A-B0EB-E6F3B61B9105}"/>
+                <a16:creationId xmlns:a16="http://schemas.microsoft.com/office/drawing/2014/main" xmlns="" id="{B6B8905F-E9C5-4D4A-B0EB-E6F3B61B9105}"/>
               </a:ext>
             </a:extLst>
           </p:cNvPr>
@@ -4615,7 +4615,7 @@
           <p:cNvPr id="8" name="직사각형 7">
             <a:extLst>
               <a:ext uri="{FF2B5EF4-FFF2-40B4-BE49-F238E27FC236}">
-                <a16:creationId xmlns:a16="http://schemas.microsoft.com/office/drawing/2014/main" id="{F0D03AC7-980C-4707-BC74-7EE01D42E262}"/>
+                <a16:creationId xmlns:a16="http://schemas.microsoft.com/office/drawing/2014/main" xmlns="" id="{F0D03AC7-980C-4707-BC74-7EE01D42E262}"/>
               </a:ext>
             </a:extLst>
           </p:cNvPr>
@@ -4669,7 +4669,7 @@
           <p:cNvPr id="9" name="직사각형 8">
             <a:extLst>
               <a:ext uri="{FF2B5EF4-FFF2-40B4-BE49-F238E27FC236}">
-                <a16:creationId xmlns:a16="http://schemas.microsoft.com/office/drawing/2014/main" id="{FD6B3E83-9718-4833-BC18-44F881095FB7}"/>
+                <a16:creationId xmlns:a16="http://schemas.microsoft.com/office/drawing/2014/main" xmlns="" id="{FD6B3E83-9718-4833-BC18-44F881095FB7}"/>
               </a:ext>
             </a:extLst>
           </p:cNvPr>
@@ -4719,7 +4719,7 @@
           <p:cNvPr id="11" name="그림 10">
             <a:extLst>
               <a:ext uri="{FF2B5EF4-FFF2-40B4-BE49-F238E27FC236}">
-                <a16:creationId xmlns:a16="http://schemas.microsoft.com/office/drawing/2014/main" id="{026E2721-F7E5-4393-890C-88225AF72740}"/>
+                <a16:creationId xmlns:a16="http://schemas.microsoft.com/office/drawing/2014/main" xmlns="" id="{026E2721-F7E5-4393-890C-88225AF72740}"/>
               </a:ext>
             </a:extLst>
           </p:cNvPr>
@@ -4749,7 +4749,7 @@
           <p:cNvPr id="12" name="직사각형 11">
             <a:extLst>
               <a:ext uri="{FF2B5EF4-FFF2-40B4-BE49-F238E27FC236}">
-                <a16:creationId xmlns:a16="http://schemas.microsoft.com/office/drawing/2014/main" id="{20C22C3A-B7B9-483E-902B-27E5CC535412}"/>
+                <a16:creationId xmlns:a16="http://schemas.microsoft.com/office/drawing/2014/main" xmlns="" id="{20C22C3A-B7B9-483E-902B-27E5CC535412}"/>
               </a:ext>
             </a:extLst>
           </p:cNvPr>
@@ -4797,7 +4797,7 @@
           <p:cNvPr id="13" name="직사각형 12">
             <a:extLst>
               <a:ext uri="{FF2B5EF4-FFF2-40B4-BE49-F238E27FC236}">
-                <a16:creationId xmlns:a16="http://schemas.microsoft.com/office/drawing/2014/main" id="{27A44AC2-4E4F-4637-A4F7-09F8EEC392E6}"/>
+                <a16:creationId xmlns:a16="http://schemas.microsoft.com/office/drawing/2014/main" xmlns="" id="{27A44AC2-4E4F-4637-A4F7-09F8EEC392E6}"/>
               </a:ext>
             </a:extLst>
           </p:cNvPr>
@@ -4847,7 +4847,7 @@
           <p:cNvPr id="15" name="그림 14">
             <a:extLst>
               <a:ext uri="{FF2B5EF4-FFF2-40B4-BE49-F238E27FC236}">
-                <a16:creationId xmlns:a16="http://schemas.microsoft.com/office/drawing/2014/main" id="{35A59ABF-AE20-4063-82F0-CD1242FE3C65}"/>
+                <a16:creationId xmlns:a16="http://schemas.microsoft.com/office/drawing/2014/main" xmlns="" id="{35A59ABF-AE20-4063-82F0-CD1242FE3C65}"/>
               </a:ext>
             </a:extLst>
           </p:cNvPr>
@@ -4877,7 +4877,7 @@
           <p:cNvPr id="17" name="그림 16">
             <a:extLst>
               <a:ext uri="{FF2B5EF4-FFF2-40B4-BE49-F238E27FC236}">
-                <a16:creationId xmlns:a16="http://schemas.microsoft.com/office/drawing/2014/main" id="{9DC8D9BB-ED1B-4F28-9B76-32C6B7CB8268}"/>
+                <a16:creationId xmlns:a16="http://schemas.microsoft.com/office/drawing/2014/main" xmlns="" id="{9DC8D9BB-ED1B-4F28-9B76-32C6B7CB8268}"/>
               </a:ext>
             </a:extLst>
           </p:cNvPr>
@@ -4937,7 +4937,7 @@
           <p:cNvPr id="2" name="제목 1">
             <a:extLst>
               <a:ext uri="{FF2B5EF4-FFF2-40B4-BE49-F238E27FC236}">
-                <a16:creationId xmlns:a16="http://schemas.microsoft.com/office/drawing/2014/main" id="{20F42A30-7F35-4EB7-9C18-270E2E5C368E}"/>
+                <a16:creationId xmlns:a16="http://schemas.microsoft.com/office/drawing/2014/main" xmlns="" id="{20F42A30-7F35-4EB7-9C18-270E2E5C368E}"/>
               </a:ext>
             </a:extLst>
           </p:cNvPr>
@@ -4965,7 +4965,7 @@
           <p:cNvPr id="7" name="직사각형 6">
             <a:extLst>
               <a:ext uri="{FF2B5EF4-FFF2-40B4-BE49-F238E27FC236}">
-                <a16:creationId xmlns:a16="http://schemas.microsoft.com/office/drawing/2014/main" id="{B6B8905F-E9C5-4D4A-B0EB-E6F3B61B9105}"/>
+                <a16:creationId xmlns:a16="http://schemas.microsoft.com/office/drawing/2014/main" xmlns="" id="{B6B8905F-E9C5-4D4A-B0EB-E6F3B61B9105}"/>
               </a:ext>
             </a:extLst>
           </p:cNvPr>
@@ -5021,7 +5021,7 @@
           <p:cNvPr id="8" name="직사각형 7">
             <a:extLst>
               <a:ext uri="{FF2B5EF4-FFF2-40B4-BE49-F238E27FC236}">
-                <a16:creationId xmlns:a16="http://schemas.microsoft.com/office/drawing/2014/main" id="{F0D03AC7-980C-4707-BC74-7EE01D42E262}"/>
+                <a16:creationId xmlns:a16="http://schemas.microsoft.com/office/drawing/2014/main" xmlns="" id="{F0D03AC7-980C-4707-BC74-7EE01D42E262}"/>
               </a:ext>
             </a:extLst>
           </p:cNvPr>
@@ -5075,7 +5075,7 @@
           <p:cNvPr id="9" name="직사각형 8">
             <a:extLst>
               <a:ext uri="{FF2B5EF4-FFF2-40B4-BE49-F238E27FC236}">
-                <a16:creationId xmlns:a16="http://schemas.microsoft.com/office/drawing/2014/main" id="{FD6B3E83-9718-4833-BC18-44F881095FB7}"/>
+                <a16:creationId xmlns:a16="http://schemas.microsoft.com/office/drawing/2014/main" xmlns="" id="{FD6B3E83-9718-4833-BC18-44F881095FB7}"/>
               </a:ext>
             </a:extLst>
           </p:cNvPr>
@@ -5125,7 +5125,7 @@
           <p:cNvPr id="12" name="직사각형 11">
             <a:extLst>
               <a:ext uri="{FF2B5EF4-FFF2-40B4-BE49-F238E27FC236}">
-                <a16:creationId xmlns:a16="http://schemas.microsoft.com/office/drawing/2014/main" id="{20C22C3A-B7B9-483E-902B-27E5CC535412}"/>
+                <a16:creationId xmlns:a16="http://schemas.microsoft.com/office/drawing/2014/main" xmlns="" id="{20C22C3A-B7B9-483E-902B-27E5CC535412}"/>
               </a:ext>
             </a:extLst>
           </p:cNvPr>
@@ -5201,7 +5201,7 @@
           <p:cNvPr id="13" name="직사각형 12">
             <a:extLst>
               <a:ext uri="{FF2B5EF4-FFF2-40B4-BE49-F238E27FC236}">
-                <a16:creationId xmlns:a16="http://schemas.microsoft.com/office/drawing/2014/main" id="{27A44AC2-4E4F-4637-A4F7-09F8EEC392E6}"/>
+                <a16:creationId xmlns:a16="http://schemas.microsoft.com/office/drawing/2014/main" xmlns="" id="{27A44AC2-4E4F-4637-A4F7-09F8EEC392E6}"/>
               </a:ext>
             </a:extLst>
           </p:cNvPr>
@@ -5251,7 +5251,7 @@
           <p:cNvPr id="4" name="그림 3">
             <a:extLst>
               <a:ext uri="{FF2B5EF4-FFF2-40B4-BE49-F238E27FC236}">
-                <a16:creationId xmlns:a16="http://schemas.microsoft.com/office/drawing/2014/main" id="{2E6097CF-DE98-4BB8-8E65-A3681BCE0C01}"/>
+                <a16:creationId xmlns:a16="http://schemas.microsoft.com/office/drawing/2014/main" xmlns="" id="{2E6097CF-DE98-4BB8-8E65-A3681BCE0C01}"/>
               </a:ext>
             </a:extLst>
           </p:cNvPr>
@@ -5281,7 +5281,7 @@
           <p:cNvPr id="6" name="그림 5">
             <a:extLst>
               <a:ext uri="{FF2B5EF4-FFF2-40B4-BE49-F238E27FC236}">
-                <a16:creationId xmlns:a16="http://schemas.microsoft.com/office/drawing/2014/main" id="{FCCF7EF7-376B-4548-81A2-36C0EBFFE14C}"/>
+                <a16:creationId xmlns:a16="http://schemas.microsoft.com/office/drawing/2014/main" xmlns="" id="{FCCF7EF7-376B-4548-81A2-36C0EBFFE14C}"/>
               </a:ext>
             </a:extLst>
           </p:cNvPr>
@@ -5341,7 +5341,7 @@
           <p:cNvPr id="2" name="제목 1">
             <a:extLst>
               <a:ext uri="{FF2B5EF4-FFF2-40B4-BE49-F238E27FC236}">
-                <a16:creationId xmlns:a16="http://schemas.microsoft.com/office/drawing/2014/main" id="{20F42A30-7F35-4EB7-9C18-270E2E5C368E}"/>
+                <a16:creationId xmlns:a16="http://schemas.microsoft.com/office/drawing/2014/main" xmlns="" id="{20F42A30-7F35-4EB7-9C18-270E2E5C368E}"/>
               </a:ext>
             </a:extLst>
           </p:cNvPr>
@@ -5369,7 +5369,7 @@
           <p:cNvPr id="7" name="직사각형 6">
             <a:extLst>
               <a:ext uri="{FF2B5EF4-FFF2-40B4-BE49-F238E27FC236}">
-                <a16:creationId xmlns:a16="http://schemas.microsoft.com/office/drawing/2014/main" id="{B6B8905F-E9C5-4D4A-B0EB-E6F3B61B9105}"/>
+                <a16:creationId xmlns:a16="http://schemas.microsoft.com/office/drawing/2014/main" xmlns="" id="{B6B8905F-E9C5-4D4A-B0EB-E6F3B61B9105}"/>
               </a:ext>
             </a:extLst>
           </p:cNvPr>
@@ -5413,7 +5413,7 @@
           <p:cNvPr id="10" name="직사각형 9">
             <a:extLst>
               <a:ext uri="{FF2B5EF4-FFF2-40B4-BE49-F238E27FC236}">
-                <a16:creationId xmlns:a16="http://schemas.microsoft.com/office/drawing/2014/main" id="{546E8100-5F2D-453C-8440-DF4F2B4972BB}"/>
+                <a16:creationId xmlns:a16="http://schemas.microsoft.com/office/drawing/2014/main" xmlns="" id="{546E8100-5F2D-453C-8440-DF4F2B4972BB}"/>
               </a:ext>
             </a:extLst>
           </p:cNvPr>
@@ -5423,7 +5423,7 @@
         <p:spPr>
           <a:xfrm>
             <a:off x="503338" y="2146305"/>
-            <a:ext cx="4681058" cy="339195"/>
+            <a:ext cx="4681058" cy="1200329"/>
           </a:xfrm>
           <a:prstGeom prst="rect">
             <a:avLst/>
@@ -5441,53 +5441,33 @@
               </a:lnSpc>
             </a:pPr>
             <a:r>
-              <a:rPr lang="ko-KR" altLang="en-US" sz="1200">
+              <a:rPr lang="ko-KR" altLang="en-US" sz="1200" dirty="0" err="1">
                 <a:latin typeface="TDc_SSiMyungJo_120_OTF"/>
               </a:rPr>
               <a:t>플렉스</a:t>
             </a:r>
             <a:r>
-              <a:rPr lang="en-US" altLang="ko-KR" sz="1200">
+              <a:rPr lang="en-US" altLang="ko-KR" sz="1200" dirty="0">
                 <a:latin typeface="TDc_SSiMyungJo_120_OTF"/>
               </a:rPr>
               <a:t> </a:t>
             </a:r>
             <a:r>
-              <a:rPr lang="ko-KR" altLang="en-US" sz="1200">
+              <a:rPr lang="ko-KR" altLang="en-US" sz="1200" dirty="0">
                 <a:latin typeface="TDc_SSiMyungJo_120_OTF"/>
               </a:rPr>
-              <a:t>항목을 주축 방향으로 배치할 때의 배치 기준</a:t>
-            </a:r>
-            <a:endParaRPr lang="ko-KR" altLang="en-US" sz="1200"/>
-          </a:p>
-        </p:txBody>
-      </p:sp>
-      <p:sp>
-        <p:nvSpPr>
-          <p:cNvPr id="11" name="직사각형 10">
-            <a:extLst>
-              <a:ext uri="{FF2B5EF4-FFF2-40B4-BE49-F238E27FC236}">
-                <a16:creationId xmlns:a16="http://schemas.microsoft.com/office/drawing/2014/main" id="{EEFB006E-401C-44E2-9CF0-C587AA742CE1}"/>
-              </a:ext>
-            </a:extLst>
-          </p:cNvPr>
-          <p:cNvSpPr/>
-          <p:nvPr/>
-        </p:nvSpPr>
-        <p:spPr>
-          <a:xfrm>
-            <a:off x="503338" y="1747866"/>
-            <a:ext cx="5050174" cy="333617"/>
-          </a:xfrm>
-          <a:prstGeom prst="rect">
-            <a:avLst/>
-          </a:prstGeom>
-        </p:spPr>
-        <p:txBody>
-          <a:bodyPr wrap="square">
-            <a:spAutoFit/>
-          </a:bodyPr>
-          <a:lstStyle/>
+              <a:t>항목을 주축 방향으로 배치할 때의 배치 </a:t>
+            </a:r>
+            <a:r>
+              <a:rPr lang="ko-KR" altLang="en-US" sz="1200" dirty="0" smtClean="0">
+                <a:latin typeface="TDc_SSiMyungJo_120_OTF"/>
+              </a:rPr>
+              <a:t>기준</a:t>
+            </a:r>
+            <a:endParaRPr lang="en-US" altLang="ko-KR" sz="1200" dirty="0" smtClean="0">
+              <a:latin typeface="TDc_SSiMyungJo_120_OTF"/>
+            </a:endParaRPr>
+          </a:p>
           <a:p>
             <a:pPr>
               <a:lnSpc>
@@ -5495,18 +5475,112 @@
               </a:lnSpc>
             </a:pPr>
             <a:r>
-              <a:rPr lang="en-US" altLang="ko-KR" sz="1200" b="1">
+              <a:rPr lang="en-US" altLang="ko-KR" sz="1200" dirty="0" smtClean="0"/>
+              <a:t>Flex-direction</a:t>
+            </a:r>
+            <a:r>
+              <a:rPr lang="ko-KR" altLang="en-US" sz="1200" dirty="0" smtClean="0"/>
+              <a:t>는 숫자와 위치가 모두 </a:t>
+            </a:r>
+            <a:r>
+              <a:rPr lang="ko-KR" altLang="en-US" sz="1200" dirty="0" err="1" smtClean="0"/>
+              <a:t>변경이되고</a:t>
+            </a:r>
+            <a:r>
+              <a:rPr lang="ko-KR" altLang="en-US" sz="1200" dirty="0" smtClean="0"/>
+              <a:t> </a:t>
+            </a:r>
+            <a:endParaRPr lang="en-US" altLang="ko-KR" sz="1200" dirty="0" smtClean="0"/>
+          </a:p>
+          <a:p>
+            <a:pPr>
+              <a:lnSpc>
+                <a:spcPct val="150000"/>
+              </a:lnSpc>
+            </a:pPr>
+            <a:r>
+              <a:rPr lang="en-US" altLang="ko-KR" sz="1200" dirty="0" smtClean="0"/>
+              <a:t>justify</a:t>
+            </a:r>
+            <a:r>
+              <a:rPr lang="en-US" altLang="ko-KR" sz="1200" b="1" dirty="0">
                 <a:latin typeface="+mn-ea"/>
               </a:rPr>
+              <a:t>-content</a:t>
+            </a:r>
+            <a:r>
+              <a:rPr lang="ko-KR" altLang="en-US" sz="1200" dirty="0" smtClean="0"/>
+              <a:t>는 숫자는 동일하게 위치만 </a:t>
+            </a:r>
+            <a:r>
+              <a:rPr lang="ko-KR" altLang="en-US" sz="1200" dirty="0" err="1" smtClean="0"/>
+              <a:t>바뀌게된다</a:t>
+            </a:r>
+            <a:r>
+              <a:rPr lang="en-US" altLang="ko-KR" sz="1200" dirty="0" smtClean="0"/>
+              <a:t>.</a:t>
+            </a:r>
+            <a:r>
+              <a:rPr lang="ko-KR" altLang="en-US" sz="1200" dirty="0" smtClean="0"/>
+              <a:t> </a:t>
+            </a:r>
+            <a:endParaRPr lang="en-US" altLang="ko-KR" sz="1200" dirty="0" smtClean="0"/>
+          </a:p>
+          <a:p>
+            <a:pPr>
+              <a:lnSpc>
+                <a:spcPct val="150000"/>
+              </a:lnSpc>
+            </a:pPr>
+            <a:endParaRPr lang="ko-KR" altLang="en-US" sz="1200" dirty="0"/>
+          </a:p>
+        </p:txBody>
+      </p:sp>
+      <p:sp>
+        <p:nvSpPr>
+          <p:cNvPr id="11" name="직사각형 10">
+            <a:extLst>
+              <a:ext uri="{FF2B5EF4-FFF2-40B4-BE49-F238E27FC236}">
+                <a16:creationId xmlns:a16="http://schemas.microsoft.com/office/drawing/2014/main" xmlns="" id="{EEFB006E-401C-44E2-9CF0-C587AA742CE1}"/>
+              </a:ext>
+            </a:extLst>
+          </p:cNvPr>
+          <p:cNvSpPr/>
+          <p:nvPr/>
+        </p:nvSpPr>
+        <p:spPr>
+          <a:xfrm>
+            <a:off x="503338" y="1747866"/>
+            <a:ext cx="5050174" cy="333617"/>
+          </a:xfrm>
+          <a:prstGeom prst="rect">
+            <a:avLst/>
+          </a:prstGeom>
+        </p:spPr>
+        <p:txBody>
+          <a:bodyPr wrap="square">
+            <a:spAutoFit/>
+          </a:bodyPr>
+          <a:lstStyle/>
+          <a:p>
+            <a:pPr>
+              <a:lnSpc>
+                <a:spcPct val="150000"/>
+              </a:lnSpc>
+            </a:pPr>
+            <a:r>
+              <a:rPr lang="en-US" altLang="ko-KR" sz="1200" b="1" dirty="0">
+                <a:latin typeface="+mn-ea"/>
+              </a:rPr>
               <a:t>justify-content </a:t>
             </a:r>
             <a:r>
-              <a:rPr lang="ko-KR" altLang="en-US" sz="1200" b="1">
+              <a:rPr lang="ko-KR" altLang="en-US" sz="1200" b="1" dirty="0">
                 <a:latin typeface="+mn-ea"/>
               </a:rPr>
               <a:t>속성</a:t>
             </a:r>
-            <a:endParaRPr lang="en-US" altLang="ko-KR" sz="1200" b="1">
+            <a:endParaRPr lang="en-US" altLang="ko-KR" sz="1200" b="1" dirty="0">
               <a:latin typeface="+mn-ea"/>
             </a:endParaRPr>
           </a:p>
@@ -5517,7 +5591,7 @@
           <p:cNvPr id="5" name="그림 4">
             <a:extLst>
               <a:ext uri="{FF2B5EF4-FFF2-40B4-BE49-F238E27FC236}">
-                <a16:creationId xmlns:a16="http://schemas.microsoft.com/office/drawing/2014/main" id="{357C0DDB-AFE7-4A5F-AF7E-3188459E2C48}"/>
+                <a16:creationId xmlns:a16="http://schemas.microsoft.com/office/drawing/2014/main" xmlns="" id="{357C0DDB-AFE7-4A5F-AF7E-3188459E2C48}"/>
               </a:ext>
             </a:extLst>
           </p:cNvPr>
@@ -5534,7 +5608,7 @@
         </p:blipFill>
         <p:spPr>
           <a:xfrm>
-            <a:off x="682736" y="2742808"/>
+            <a:off x="559481" y="3657208"/>
             <a:ext cx="4568772" cy="1961505"/>
           </a:xfrm>
           <a:prstGeom prst="rect">
@@ -5547,7 +5621,7 @@
           <p:cNvPr id="17" name="그림 16">
             <a:extLst>
               <a:ext uri="{FF2B5EF4-FFF2-40B4-BE49-F238E27FC236}">
-                <a16:creationId xmlns:a16="http://schemas.microsoft.com/office/drawing/2014/main" id="{5CF42372-1126-4D02-B657-24E5F88681AA}"/>
+                <a16:creationId xmlns:a16="http://schemas.microsoft.com/office/drawing/2014/main" xmlns="" id="{5CF42372-1126-4D02-B657-24E5F88681AA}"/>
               </a:ext>
             </a:extLst>
           </p:cNvPr>
@@ -5607,7 +5681,7 @@
           <p:cNvPr id="2" name="제목 1">
             <a:extLst>
               <a:ext uri="{FF2B5EF4-FFF2-40B4-BE49-F238E27FC236}">
-                <a16:creationId xmlns:a16="http://schemas.microsoft.com/office/drawing/2014/main" id="{20F42A30-7F35-4EB7-9C18-270E2E5C368E}"/>
+                <a16:creationId xmlns:a16="http://schemas.microsoft.com/office/drawing/2014/main" xmlns="" id="{20F42A30-7F35-4EB7-9C18-270E2E5C368E}"/>
               </a:ext>
             </a:extLst>
           </p:cNvPr>
@@ -5635,7 +5709,7 @@
           <p:cNvPr id="7" name="직사각형 6">
             <a:extLst>
               <a:ext uri="{FF2B5EF4-FFF2-40B4-BE49-F238E27FC236}">
-                <a16:creationId xmlns:a16="http://schemas.microsoft.com/office/drawing/2014/main" id="{B6B8905F-E9C5-4D4A-B0EB-E6F3B61B9105}"/>
+                <a16:creationId xmlns:a16="http://schemas.microsoft.com/office/drawing/2014/main" xmlns="" id="{B6B8905F-E9C5-4D4A-B0EB-E6F3B61B9105}"/>
               </a:ext>
             </a:extLst>
           </p:cNvPr>
@@ -5679,7 +5753,7 @@
           <p:cNvPr id="8" name="직사각형 7">
             <a:extLst>
               <a:ext uri="{FF2B5EF4-FFF2-40B4-BE49-F238E27FC236}">
-                <a16:creationId xmlns:a16="http://schemas.microsoft.com/office/drawing/2014/main" id="{E4E5AF7E-C6B9-43AE-888A-0E805DD8FF0D}"/>
+                <a16:creationId xmlns:a16="http://schemas.microsoft.com/office/drawing/2014/main" xmlns="" id="{E4E5AF7E-C6B9-43AE-888A-0E805DD8FF0D}"/>
               </a:ext>
             </a:extLst>
           </p:cNvPr>
@@ -5689,7 +5763,7 @@
         <p:spPr>
           <a:xfrm>
             <a:off x="604006" y="2297835"/>
-            <a:ext cx="4681058" cy="610616"/>
+            <a:ext cx="4681058" cy="923330"/>
           </a:xfrm>
           <a:prstGeom prst="rect">
             <a:avLst/>
@@ -5707,12 +5781,60 @@
               </a:lnSpc>
             </a:pPr>
             <a:r>
-              <a:rPr lang="ko-KR" altLang="en-US" sz="1200">
+              <a:rPr lang="ko-KR" altLang="en-US" sz="1200" dirty="0" err="1" smtClean="0">
                 <a:latin typeface="TDc_SSiMyungJo_120_OTF"/>
               </a:rPr>
-              <a:t>교차축을 기준으로 하는 배치 방법 조절</a:t>
-            </a:r>
-            <a:endParaRPr lang="en-US" altLang="ko-KR" sz="1200">
+              <a:t>교차축</a:t>
+            </a:r>
+            <a:r>
+              <a:rPr lang="en-US" altLang="ko-KR" sz="1200" dirty="0" smtClean="0">
+                <a:latin typeface="TDc_SSiMyungJo_120_OTF"/>
+              </a:rPr>
+              <a:t>(</a:t>
+            </a:r>
+            <a:r>
+              <a:rPr lang="en-US" altLang="ko-KR" sz="1200" dirty="0" smtClean="0">
+                <a:latin typeface="TDc_SSiMyungJo_120_OTF"/>
+              </a:rPr>
+              <a:t>0</a:t>
+            </a:r>
+            <a:r>
+              <a:rPr lang="ko-KR" altLang="en-US" sz="1200" dirty="0" smtClean="0">
+                <a:latin typeface="TDc_SSiMyungJo_120_OTF"/>
+              </a:rPr>
+              <a:t>에서 </a:t>
+            </a:r>
+            <a:r>
+              <a:rPr lang="en-US" altLang="ko-KR" sz="1200" dirty="0" smtClean="0">
+                <a:latin typeface="TDc_SSiMyungJo_120_OTF"/>
+              </a:rPr>
+              <a:t>y</a:t>
+            </a:r>
+            <a:r>
+              <a:rPr lang="ko-KR" altLang="en-US" sz="1200" dirty="0" smtClean="0">
+                <a:latin typeface="TDc_SSiMyungJo_120_OTF"/>
+              </a:rPr>
+              <a:t>로 내려가는</a:t>
+            </a:r>
+            <a:r>
+              <a:rPr lang="en-US" altLang="ko-KR" sz="1200" dirty="0" smtClean="0">
+                <a:latin typeface="TDc_SSiMyungJo_120_OTF"/>
+              </a:rPr>
+              <a:t>)</a:t>
+            </a:r>
+            <a:r>
+              <a:rPr lang="ko-KR" altLang="en-US" sz="1200" dirty="0" smtClean="0">
+                <a:latin typeface="TDc_SSiMyungJo_120_OTF"/>
+              </a:rPr>
+              <a:t>을 </a:t>
+            </a:r>
+            <a:r>
+              <a:rPr lang="ko-KR" altLang="en-US" sz="1200" dirty="0">
+                <a:latin typeface="TDc_SSiMyungJo_120_OTF"/>
+              </a:rPr>
+              <a:t>기준으로 하는 배치 방법 조절</a:t>
+            </a:r>
+            <a:endParaRPr lang="en-US" altLang="ko-KR" sz="1200" dirty="0">
               <a:latin typeface="TDc_SSiMyungJo_120_OTF"/>
             </a:endParaRPr>
           </a:p>
@@ -5723,53 +5845,39 @@
               </a:lnSpc>
             </a:pPr>
             <a:r>
-              <a:rPr lang="ko-KR" altLang="en-US" sz="1200">
+              <a:rPr lang="ko-KR" altLang="en-US" sz="1200" dirty="0" err="1">
                 <a:latin typeface="TDc_SSiMyungJo_120_OTF"/>
               </a:rPr>
-              <a:t>교차축에서 특정 항목만 지정하고 싶다면 </a:t>
-            </a:r>
-            <a:r>
-              <a:rPr lang="en-US" altLang="ko-KR" sz="1200">
+              <a:t>교차축에서</a:t>
+            </a:r>
+            <a:r>
+              <a:rPr lang="ko-KR" altLang="en-US" sz="1200" dirty="0">
                 <a:latin typeface="TDc_SSiMyungJo_120_OTF"/>
               </a:rPr>
+              <a:t> 특정 항목만 지정하고 싶다면 </a:t>
+            </a:r>
+            <a:r>
+              <a:rPr lang="en-US" altLang="ko-KR" sz="1200" dirty="0">
+                <a:latin typeface="TDc_SSiMyungJo_120_OTF"/>
+              </a:rPr>
               <a:t>align-self </a:t>
             </a:r>
             <a:r>
-              <a:rPr lang="ko-KR" altLang="en-US" sz="1200">
+              <a:rPr lang="ko-KR" altLang="en-US" sz="1200" dirty="0">
                 <a:latin typeface="TDc_SSiMyungJo_120_OTF"/>
               </a:rPr>
-              <a:t>속성 사용</a:t>
-            </a:r>
-            <a:endParaRPr lang="ko-KR" altLang="en-US" sz="1200"/>
-          </a:p>
-        </p:txBody>
-      </p:sp>
-      <p:sp>
-        <p:nvSpPr>
-          <p:cNvPr id="9" name="직사각형 8">
-            <a:extLst>
-              <a:ext uri="{FF2B5EF4-FFF2-40B4-BE49-F238E27FC236}">
-                <a16:creationId xmlns:a16="http://schemas.microsoft.com/office/drawing/2014/main" id="{D8403722-6DCC-43C3-8C19-D4A12A227A79}"/>
-              </a:ext>
-            </a:extLst>
-          </p:cNvPr>
-          <p:cNvSpPr/>
-          <p:nvPr/>
-        </p:nvSpPr>
-        <p:spPr>
-          <a:xfrm>
-            <a:off x="604006" y="1893818"/>
-            <a:ext cx="5050174" cy="333617"/>
-          </a:xfrm>
-          <a:prstGeom prst="rect">
-            <a:avLst/>
-          </a:prstGeom>
-        </p:spPr>
-        <p:txBody>
-          <a:bodyPr wrap="square">
-            <a:spAutoFit/>
-          </a:bodyPr>
-          <a:lstStyle/>
+              <a:t>속성 </a:t>
+            </a:r>
+            <a:r>
+              <a:rPr lang="ko-KR" altLang="en-US" sz="1200" dirty="0" smtClean="0">
+                <a:latin typeface="TDc_SSiMyungJo_120_OTF"/>
+              </a:rPr>
+              <a:t>사용</a:t>
+            </a:r>
+            <a:endParaRPr lang="en-US" altLang="ko-KR" sz="1200" dirty="0" smtClean="0">
+              <a:latin typeface="TDc_SSiMyungJo_120_OTF"/>
+            </a:endParaRPr>
+          </a:p>
           <a:p>
             <a:pPr>
               <a:lnSpc>
@@ -5777,6 +5885,90 @@
               </a:lnSpc>
             </a:pPr>
             <a:r>
+              <a:rPr lang="en-US" altLang="ko-KR" sz="1200" dirty="0" smtClean="0">
+                <a:latin typeface="TDc_SSiMyungJo_120_OTF"/>
+              </a:rPr>
+              <a:t>Items</a:t>
+            </a:r>
+            <a:r>
+              <a:rPr lang="ko-KR" altLang="en-US" sz="1200" dirty="0" smtClean="0">
+                <a:latin typeface="TDc_SSiMyungJo_120_OTF"/>
+              </a:rPr>
+              <a:t>는 회색 </a:t>
+            </a:r>
+            <a:r>
+              <a:rPr lang="ko-KR" altLang="en-US" sz="1200" dirty="0" err="1" smtClean="0">
+                <a:latin typeface="TDc_SSiMyungJo_120_OTF"/>
+              </a:rPr>
+              <a:t>한줄</a:t>
+            </a:r>
+            <a:r>
+              <a:rPr lang="en-US" altLang="ko-KR" sz="1200" dirty="0" smtClean="0">
+                <a:latin typeface="TDc_SSiMyungJo_120_OTF"/>
+              </a:rPr>
+              <a:t>(</a:t>
+            </a:r>
+            <a:r>
+              <a:rPr lang="ko-KR" altLang="en-US" sz="1200" dirty="0" smtClean="0">
+                <a:latin typeface="TDc_SSiMyungJo_120_OTF"/>
+              </a:rPr>
+              <a:t>가로로 </a:t>
+            </a:r>
+            <a:r>
+              <a:rPr lang="ko-KR" altLang="en-US" sz="1200" dirty="0" err="1" smtClean="0">
+                <a:latin typeface="TDc_SSiMyungJo_120_OTF"/>
+              </a:rPr>
+              <a:t>한줄</a:t>
+            </a:r>
+            <a:r>
+              <a:rPr lang="en-US" altLang="ko-KR" sz="1200" dirty="0" smtClean="0">
+                <a:latin typeface="TDc_SSiMyungJo_120_OTF"/>
+              </a:rPr>
+              <a:t>)</a:t>
+            </a:r>
+            <a:r>
+              <a:rPr lang="ko-KR" altLang="en-US" sz="1200" dirty="0" smtClean="0">
+                <a:latin typeface="TDc_SSiMyungJo_120_OTF"/>
+              </a:rPr>
+              <a:t>을 기준</a:t>
+            </a:r>
+            <a:endParaRPr lang="ko-KR" altLang="en-US" sz="1200" dirty="0"/>
+          </a:p>
+        </p:txBody>
+      </p:sp>
+      <p:sp>
+        <p:nvSpPr>
+          <p:cNvPr id="9" name="직사각형 8">
+            <a:extLst>
+              <a:ext uri="{FF2B5EF4-FFF2-40B4-BE49-F238E27FC236}">
+                <a16:creationId xmlns:a16="http://schemas.microsoft.com/office/drawing/2014/main" xmlns="" id="{D8403722-6DCC-43C3-8C19-D4A12A227A79}"/>
+              </a:ext>
+            </a:extLst>
+          </p:cNvPr>
+          <p:cNvSpPr/>
+          <p:nvPr/>
+        </p:nvSpPr>
+        <p:spPr>
+          <a:xfrm>
+            <a:off x="604006" y="1893818"/>
+            <a:ext cx="5050174" cy="333617"/>
+          </a:xfrm>
+          <a:prstGeom prst="rect">
+            <a:avLst/>
+          </a:prstGeom>
+        </p:spPr>
+        <p:txBody>
+          <a:bodyPr wrap="square">
+            <a:spAutoFit/>
+          </a:bodyPr>
+          <a:lstStyle/>
+          <a:p>
+            <a:pPr>
+              <a:lnSpc>
+                <a:spcPct val="150000"/>
+              </a:lnSpc>
+            </a:pPr>
+            <a:r>
               <a:rPr lang="en-US" altLang="ko-KR" sz="1200" b="1">
                 <a:latin typeface="+mn-ea"/>
               </a:rPr>
@@ -5811,7 +6003,7 @@
           <p:cNvPr id="13" name="그룹 12">
             <a:extLst>
               <a:ext uri="{FF2B5EF4-FFF2-40B4-BE49-F238E27FC236}">
-                <a16:creationId xmlns:a16="http://schemas.microsoft.com/office/drawing/2014/main" id="{446BEF27-E45A-47DB-8813-64BE1ACAFF38}"/>
+                <a16:creationId xmlns:a16="http://schemas.microsoft.com/office/drawing/2014/main" xmlns="" id="{446BEF27-E45A-47DB-8813-64BE1ACAFF38}"/>
               </a:ext>
             </a:extLst>
           </p:cNvPr>
@@ -5831,7 +6023,7 @@
             <p:cNvPr id="3" name="직사각형 2">
               <a:extLst>
                 <a:ext uri="{FF2B5EF4-FFF2-40B4-BE49-F238E27FC236}">
-                  <a16:creationId xmlns:a16="http://schemas.microsoft.com/office/drawing/2014/main" id="{979A6014-F44E-4329-866D-07320BBED66C}"/>
+                  <a16:creationId xmlns:a16="http://schemas.microsoft.com/office/drawing/2014/main" xmlns="" id="{979A6014-F44E-4329-866D-07320BBED66C}"/>
                 </a:ext>
               </a:extLst>
             </p:cNvPr>
@@ -5883,7 +6075,7 @@
             <p:cNvPr id="4" name="TextBox 3">
               <a:extLst>
                 <a:ext uri="{FF2B5EF4-FFF2-40B4-BE49-F238E27FC236}">
-                  <a16:creationId xmlns:a16="http://schemas.microsoft.com/office/drawing/2014/main" id="{08311454-2C75-475F-A2D0-E6D1374D042D}"/>
+                  <a16:creationId xmlns:a16="http://schemas.microsoft.com/office/drawing/2014/main" xmlns="" id="{08311454-2C75-475F-A2D0-E6D1374D042D}"/>
                 </a:ext>
               </a:extLst>
             </p:cNvPr>
@@ -5922,7 +6114,7 @@
             <p:cNvPr id="12" name="연결선: 꺾임 11">
               <a:extLst>
                 <a:ext uri="{FF2B5EF4-FFF2-40B4-BE49-F238E27FC236}">
-                  <a16:creationId xmlns:a16="http://schemas.microsoft.com/office/drawing/2014/main" id="{09030997-48AB-4135-AA1A-3D0441629152}"/>
+                  <a16:creationId xmlns:a16="http://schemas.microsoft.com/office/drawing/2014/main" xmlns="" id="{09030997-48AB-4135-AA1A-3D0441629152}"/>
                 </a:ext>
               </a:extLst>
             </p:cNvPr>
@@ -5965,7 +6157,7 @@
           <p:cNvPr id="15" name="그림 14">
             <a:extLst>
               <a:ext uri="{FF2B5EF4-FFF2-40B4-BE49-F238E27FC236}">
-                <a16:creationId xmlns:a16="http://schemas.microsoft.com/office/drawing/2014/main" id="{4063618B-33BE-47D5-923C-C7BEC73DF5CC}"/>
+                <a16:creationId xmlns:a16="http://schemas.microsoft.com/office/drawing/2014/main" xmlns="" id="{4063618B-33BE-47D5-923C-C7BEC73DF5CC}"/>
               </a:ext>
             </a:extLst>
           </p:cNvPr>
@@ -5995,7 +6187,7 @@
           <p:cNvPr id="17" name="그림 16">
             <a:extLst>
               <a:ext uri="{FF2B5EF4-FFF2-40B4-BE49-F238E27FC236}">
-                <a16:creationId xmlns:a16="http://schemas.microsoft.com/office/drawing/2014/main" id="{CC292393-6E46-4C9A-91C9-DDC1591861D0}"/>
+                <a16:creationId xmlns:a16="http://schemas.microsoft.com/office/drawing/2014/main" xmlns="" id="{CC292393-6E46-4C9A-91C9-DDC1591861D0}"/>
               </a:ext>
             </a:extLst>
           </p:cNvPr>
@@ -6055,7 +6247,7 @@
           <p:cNvPr id="2" name="제목 1">
             <a:extLst>
               <a:ext uri="{FF2B5EF4-FFF2-40B4-BE49-F238E27FC236}">
-                <a16:creationId xmlns:a16="http://schemas.microsoft.com/office/drawing/2014/main" id="{20F42A30-7F35-4EB7-9C18-270E2E5C368E}"/>
+                <a16:creationId xmlns:a16="http://schemas.microsoft.com/office/drawing/2014/main" xmlns="" id="{20F42A30-7F35-4EB7-9C18-270E2E5C368E}"/>
               </a:ext>
             </a:extLst>
           </p:cNvPr>
@@ -6083,7 +6275,7 @@
           <p:cNvPr id="7" name="직사각형 6">
             <a:extLst>
               <a:ext uri="{FF2B5EF4-FFF2-40B4-BE49-F238E27FC236}">
-                <a16:creationId xmlns:a16="http://schemas.microsoft.com/office/drawing/2014/main" id="{B6B8905F-E9C5-4D4A-B0EB-E6F3B61B9105}"/>
+                <a16:creationId xmlns:a16="http://schemas.microsoft.com/office/drawing/2014/main" xmlns="" id="{B6B8905F-E9C5-4D4A-B0EB-E6F3B61B9105}"/>
               </a:ext>
             </a:extLst>
           </p:cNvPr>
@@ -6127,7 +6319,7 @@
           <p:cNvPr id="18" name="직사각형 17">
             <a:extLst>
               <a:ext uri="{FF2B5EF4-FFF2-40B4-BE49-F238E27FC236}">
-                <a16:creationId xmlns:a16="http://schemas.microsoft.com/office/drawing/2014/main" id="{F7FA1AE3-D3F6-4C36-8098-DDE167185D98}"/>
+                <a16:creationId xmlns:a16="http://schemas.microsoft.com/office/drawing/2014/main" xmlns="" id="{F7FA1AE3-D3F6-4C36-8098-DDE167185D98}"/>
               </a:ext>
             </a:extLst>
           </p:cNvPr>
@@ -6137,7 +6329,7 @@
         <p:spPr>
           <a:xfrm>
             <a:off x="503337" y="2255697"/>
-            <a:ext cx="5629015" cy="339195"/>
+            <a:ext cx="5629015" cy="646331"/>
           </a:xfrm>
           <a:prstGeom prst="rect">
             <a:avLst/>
@@ -6155,36 +6347,84 @@
               </a:lnSpc>
             </a:pPr>
             <a:r>
-              <a:rPr lang="ko-KR" altLang="en-US" sz="1200">
+              <a:rPr lang="ko-KR" altLang="en-US" sz="1200" dirty="0" err="1">
                 <a:latin typeface="TDc_SSiMyungJo_120_OTF"/>
               </a:rPr>
               <a:t>플렉스</a:t>
             </a:r>
             <a:r>
-              <a:rPr lang="en-US" altLang="ko-KR" sz="1200">
+              <a:rPr lang="en-US" altLang="ko-KR" sz="1200" dirty="0">
                 <a:latin typeface="TDc_SSiMyungJo_120_OTF"/>
               </a:rPr>
               <a:t> </a:t>
             </a:r>
             <a:r>
-              <a:rPr lang="ko-KR" altLang="en-US" sz="1200">
+              <a:rPr lang="ko-KR" altLang="en-US" sz="1200" dirty="0">
                 <a:latin typeface="TDc_SSiMyungJo_120_OTF"/>
               </a:rPr>
               <a:t>항목이</a:t>
             </a:r>
             <a:r>
-              <a:rPr lang="en-US" altLang="ko-KR" sz="1200">
+              <a:rPr lang="en-US" altLang="ko-KR" sz="1200" dirty="0">
                 <a:latin typeface="TDc_SSiMyungJo_120_OTF"/>
               </a:rPr>
               <a:t> </a:t>
             </a:r>
             <a:r>
-              <a:rPr lang="ko-KR" altLang="en-US" sz="1200">
+              <a:rPr lang="ko-KR" altLang="en-US" sz="1200" dirty="0">
                 <a:latin typeface="TDc_SSiMyungJo_120_OTF"/>
               </a:rPr>
-              <a:t>여러 줄로 표시될 때 교차 축 기준의 배치 방법 지정</a:t>
-            </a:r>
-            <a:endParaRPr lang="ko-KR" altLang="en-US" sz="1200"/>
+              <a:t>여러 </a:t>
+            </a:r>
+            <a:r>
+              <a:rPr lang="ko-KR" altLang="en-US" sz="1200" dirty="0" smtClean="0">
+                <a:latin typeface="TDc_SSiMyungJo_120_OTF"/>
+              </a:rPr>
+              <a:t>줄</a:t>
+            </a:r>
+            <a:r>
+              <a:rPr lang="en-US" altLang="ko-KR" sz="1200" dirty="0" smtClean="0">
+                <a:latin typeface="TDc_SSiMyungJo_120_OTF"/>
+              </a:rPr>
+              <a:t>(</a:t>
+            </a:r>
+            <a:r>
+              <a:rPr lang="ko-KR" altLang="en-US" sz="1200" dirty="0" smtClean="0">
+                <a:latin typeface="TDc_SSiMyungJo_120_OTF"/>
+              </a:rPr>
+              <a:t>여러 </a:t>
+            </a:r>
+            <a:r>
+              <a:rPr lang="en-US" altLang="ko-KR" sz="1200" dirty="0" err="1" smtClean="0">
+                <a:latin typeface="TDc_SSiMyungJo_120_OTF"/>
+              </a:rPr>
+              <a:t>colum</a:t>
+            </a:r>
+            <a:r>
+              <a:rPr lang="ko-KR" altLang="en-US" sz="1200" dirty="0" smtClean="0">
+                <a:latin typeface="TDc_SSiMyungJo_120_OTF"/>
+              </a:rPr>
+              <a:t>들</a:t>
+            </a:r>
+            <a:r>
+              <a:rPr lang="en-US" altLang="ko-KR" sz="1200" dirty="0" smtClean="0">
+                <a:latin typeface="TDc_SSiMyungJo_120_OTF"/>
+              </a:rPr>
+              <a:t>)</a:t>
+            </a:r>
+            <a:r>
+              <a:rPr lang="ko-KR" altLang="en-US" sz="1200" dirty="0" smtClean="0">
+                <a:latin typeface="TDc_SSiMyungJo_120_OTF"/>
+              </a:rPr>
+              <a:t>로 </a:t>
+            </a:r>
+            <a:r>
+              <a:rPr lang="ko-KR" altLang="en-US" sz="1200" dirty="0">
+                <a:latin typeface="TDc_SSiMyungJo_120_OTF"/>
+              </a:rPr>
+              <a:t>표시될 때 교차 축 기준의 배치 방법 지정</a:t>
+            </a:r>
+            <a:endParaRPr lang="ko-KR" altLang="en-US" sz="1200" dirty="0"/>
           </a:p>
         </p:txBody>
       </p:sp>
@@ -6193,7 +6433,7 @@
           <p:cNvPr id="19" name="직사각형 18">
             <a:extLst>
               <a:ext uri="{FF2B5EF4-FFF2-40B4-BE49-F238E27FC236}">
-                <a16:creationId xmlns:a16="http://schemas.microsoft.com/office/drawing/2014/main" id="{40115130-4431-405C-8540-3185CDE9239D}"/>
+                <a16:creationId xmlns:a16="http://schemas.microsoft.com/office/drawing/2014/main" xmlns="" id="{40115130-4431-405C-8540-3185CDE9239D}"/>
               </a:ext>
             </a:extLst>
           </p:cNvPr>
@@ -6243,7 +6483,7 @@
           <p:cNvPr id="6" name="그림 5">
             <a:extLst>
               <a:ext uri="{FF2B5EF4-FFF2-40B4-BE49-F238E27FC236}">
-                <a16:creationId xmlns:a16="http://schemas.microsoft.com/office/drawing/2014/main" id="{D3A0EDA5-05A4-4868-88BE-3F8013EDEC7A}"/>
+                <a16:creationId xmlns:a16="http://schemas.microsoft.com/office/drawing/2014/main" xmlns="" id="{D3A0EDA5-05A4-4868-88BE-3F8013EDEC7A}"/>
               </a:ext>
             </a:extLst>
           </p:cNvPr>
@@ -6273,7 +6513,7 @@
           <p:cNvPr id="11" name="그림 10">
             <a:extLst>
               <a:ext uri="{FF2B5EF4-FFF2-40B4-BE49-F238E27FC236}">
-                <a16:creationId xmlns:a16="http://schemas.microsoft.com/office/drawing/2014/main" id="{4CAD203D-C2BE-4DCF-B844-00BFFF4CD6BB}"/>
+                <a16:creationId xmlns:a16="http://schemas.microsoft.com/office/drawing/2014/main" xmlns="" id="{4CAD203D-C2BE-4DCF-B844-00BFFF4CD6BB}"/>
               </a:ext>
             </a:extLst>
           </p:cNvPr>
@@ -6303,7 +6543,7 @@
           <p:cNvPr id="21" name="그림 20">
             <a:extLst>
               <a:ext uri="{FF2B5EF4-FFF2-40B4-BE49-F238E27FC236}">
-                <a16:creationId xmlns:a16="http://schemas.microsoft.com/office/drawing/2014/main" id="{F89E1893-63EB-466F-937B-634E775F6713}"/>
+                <a16:creationId xmlns:a16="http://schemas.microsoft.com/office/drawing/2014/main" xmlns="" id="{F89E1893-63EB-466F-937B-634E775F6713}"/>
               </a:ext>
             </a:extLst>
           </p:cNvPr>
@@ -6363,7 +6603,7 @@
           <p:cNvPr id="2" name="제목 1">
             <a:extLst>
               <a:ext uri="{FF2B5EF4-FFF2-40B4-BE49-F238E27FC236}">
-                <a16:creationId xmlns:a16="http://schemas.microsoft.com/office/drawing/2014/main" id="{20F42A30-7F35-4EB7-9C18-270E2E5C368E}"/>
+                <a16:creationId xmlns:a16="http://schemas.microsoft.com/office/drawing/2014/main" xmlns="" id="{20F42A30-7F35-4EB7-9C18-270E2E5C368E}"/>
               </a:ext>
             </a:extLst>
           </p:cNvPr>
@@ -6391,7 +6631,7 @@
           <p:cNvPr id="7" name="직사각형 6">
             <a:extLst>
               <a:ext uri="{FF2B5EF4-FFF2-40B4-BE49-F238E27FC236}">
-                <a16:creationId xmlns:a16="http://schemas.microsoft.com/office/drawing/2014/main" id="{B6B8905F-E9C5-4D4A-B0EB-E6F3B61B9105}"/>
+                <a16:creationId xmlns:a16="http://schemas.microsoft.com/office/drawing/2014/main" xmlns="" id="{B6B8905F-E9C5-4D4A-B0EB-E6F3B61B9105}"/>
               </a:ext>
             </a:extLst>
           </p:cNvPr>
@@ -6435,7 +6675,7 @@
           <p:cNvPr id="3" name="TextBox 2">
             <a:extLst>
               <a:ext uri="{FF2B5EF4-FFF2-40B4-BE49-F238E27FC236}">
-                <a16:creationId xmlns:a16="http://schemas.microsoft.com/office/drawing/2014/main" id="{1146D3DF-7EFF-4020-B7D3-3BFC519A11CA}"/>
+                <a16:creationId xmlns:a16="http://schemas.microsoft.com/office/drawing/2014/main" xmlns="" id="{1146D3DF-7EFF-4020-B7D3-3BFC519A11CA}"/>
               </a:ext>
             </a:extLst>
           </p:cNvPr>
@@ -6477,7 +6717,7 @@
           <p:cNvPr id="10" name="그림 9">
             <a:extLst>
               <a:ext uri="{FF2B5EF4-FFF2-40B4-BE49-F238E27FC236}">
-                <a16:creationId xmlns:a16="http://schemas.microsoft.com/office/drawing/2014/main" id="{51835E68-BB75-4B63-8D5B-C373FC535C3F}"/>
+                <a16:creationId xmlns:a16="http://schemas.microsoft.com/office/drawing/2014/main" xmlns="" id="{51835E68-BB75-4B63-8D5B-C373FC535C3F}"/>
               </a:ext>
             </a:extLst>
           </p:cNvPr>
@@ -6507,7 +6747,7 @@
           <p:cNvPr id="13" name="그림 12">
             <a:extLst>
               <a:ext uri="{FF2B5EF4-FFF2-40B4-BE49-F238E27FC236}">
-                <a16:creationId xmlns:a16="http://schemas.microsoft.com/office/drawing/2014/main" id="{5A03716A-C8B0-48B6-AF90-DE9C60197B4E}"/>
+                <a16:creationId xmlns:a16="http://schemas.microsoft.com/office/drawing/2014/main" xmlns="" id="{5A03716A-C8B0-48B6-AF90-DE9C60197B4E}"/>
               </a:ext>
             </a:extLst>
           </p:cNvPr>
@@ -6537,7 +6777,7 @@
           <p:cNvPr id="15" name="타원 14">
             <a:extLst>
               <a:ext uri="{FF2B5EF4-FFF2-40B4-BE49-F238E27FC236}">
-                <a16:creationId xmlns:a16="http://schemas.microsoft.com/office/drawing/2014/main" id="{892564EC-20B0-45C4-82E0-813B6EAB020C}"/>
+                <a16:creationId xmlns:a16="http://schemas.microsoft.com/office/drawing/2014/main" xmlns="" id="{892564EC-20B0-45C4-82E0-813B6EAB020C}"/>
               </a:ext>
             </a:extLst>
           </p:cNvPr>
@@ -6589,7 +6829,7 @@
           <p:cNvPr id="23" name="타원 22">
             <a:extLst>
               <a:ext uri="{FF2B5EF4-FFF2-40B4-BE49-F238E27FC236}">
-                <a16:creationId xmlns:a16="http://schemas.microsoft.com/office/drawing/2014/main" id="{69D038F4-3981-4EC1-AFA6-1EE8F05239FA}"/>
+                <a16:creationId xmlns:a16="http://schemas.microsoft.com/office/drawing/2014/main" xmlns="" id="{69D038F4-3981-4EC1-AFA6-1EE8F05239FA}"/>
               </a:ext>
             </a:extLst>
           </p:cNvPr>
@@ -6641,7 +6881,7 @@
           <p:cNvPr id="16" name="TextBox 15">
             <a:extLst>
               <a:ext uri="{FF2B5EF4-FFF2-40B4-BE49-F238E27FC236}">
-                <a16:creationId xmlns:a16="http://schemas.microsoft.com/office/drawing/2014/main" id="{9A8E5304-65A8-4B97-9E3B-F5A202A443C6}"/>
+                <a16:creationId xmlns:a16="http://schemas.microsoft.com/office/drawing/2014/main" xmlns="" id="{9A8E5304-65A8-4B97-9E3B-F5A202A443C6}"/>
               </a:ext>
             </a:extLst>
           </p:cNvPr>
@@ -6689,7 +6929,7 @@
           <p:cNvPr id="24" name="연결선: 구부러짐 23">
             <a:extLst>
               <a:ext uri="{FF2B5EF4-FFF2-40B4-BE49-F238E27FC236}">
-                <a16:creationId xmlns:a16="http://schemas.microsoft.com/office/drawing/2014/main" id="{BF68926A-FEF4-4961-AE6F-C5CE1DA79D73}"/>
+                <a16:creationId xmlns:a16="http://schemas.microsoft.com/office/drawing/2014/main" xmlns="" id="{BF68926A-FEF4-4961-AE6F-C5CE1DA79D73}"/>
               </a:ext>
             </a:extLst>
           </p:cNvPr>
@@ -6730,7 +6970,7 @@
           <p:cNvPr id="26" name="연결선: 구부러짐 25">
             <a:extLst>
               <a:ext uri="{FF2B5EF4-FFF2-40B4-BE49-F238E27FC236}">
-                <a16:creationId xmlns:a16="http://schemas.microsoft.com/office/drawing/2014/main" id="{6FA28504-6CD2-48AE-9F9D-CF6481369221}"/>
+                <a16:creationId xmlns:a16="http://schemas.microsoft.com/office/drawing/2014/main" xmlns="" id="{6FA28504-6CD2-48AE-9F9D-CF6481369221}"/>
               </a:ext>
             </a:extLst>
           </p:cNvPr>
@@ -6804,7 +7044,7 @@
           <p:cNvPr id="2" name="제목 1">
             <a:extLst>
               <a:ext uri="{FF2B5EF4-FFF2-40B4-BE49-F238E27FC236}">
-                <a16:creationId xmlns:a16="http://schemas.microsoft.com/office/drawing/2014/main" id="{0E17320A-9BAA-47E0-98D9-470E64F28336}"/>
+                <a16:creationId xmlns:a16="http://schemas.microsoft.com/office/drawing/2014/main" xmlns="" id="{0E17320A-9BAA-47E0-98D9-470E64F28336}"/>
               </a:ext>
             </a:extLst>
           </p:cNvPr>
@@ -6836,7 +7076,7 @@
           <p:cNvPr id="3" name="직사각형 2">
             <a:extLst>
               <a:ext uri="{FF2B5EF4-FFF2-40B4-BE49-F238E27FC236}">
-                <a16:creationId xmlns:a16="http://schemas.microsoft.com/office/drawing/2014/main" id="{9A9B76AE-1CBE-4F5B-9991-526723A626CD}"/>
+                <a16:creationId xmlns:a16="http://schemas.microsoft.com/office/drawing/2014/main" xmlns="" id="{9A9B76AE-1CBE-4F5B-9991-526723A626CD}"/>
               </a:ext>
             </a:extLst>
           </p:cNvPr>
@@ -6886,7 +7126,7 @@
           <p:cNvPr id="4" name="직사각형 3">
             <a:extLst>
               <a:ext uri="{FF2B5EF4-FFF2-40B4-BE49-F238E27FC236}">
-                <a16:creationId xmlns:a16="http://schemas.microsoft.com/office/drawing/2014/main" id="{7661950E-0A81-4DA2-AD42-206A1EE8EBB2}"/>
+                <a16:creationId xmlns:a16="http://schemas.microsoft.com/office/drawing/2014/main" xmlns="" id="{7661950E-0A81-4DA2-AD42-206A1EE8EBB2}"/>
               </a:ext>
             </a:extLst>
           </p:cNvPr>
@@ -6957,6 +7197,12 @@
               </a:rPr>
               <a:t>레이아웃은 양쪽 방향 모두 사용</a:t>
             </a:r>
+            <a:r>
+              <a:rPr lang="en-US" altLang="ko-KR" sz="1200">
+                <a:latin typeface="TDc_SSiMyungJo_120_OTF"/>
+              </a:rPr>
+              <a:t/>
+            </a:r>
             <a:br>
               <a:rPr lang="en-US" altLang="ko-KR" sz="1200">
                 <a:latin typeface="TDc_SSiMyungJo_120_OTF"/>
@@ -7093,7 +7339,7 @@
           <p:cNvPr id="6" name="그림 5">
             <a:extLst>
               <a:ext uri="{FF2B5EF4-FFF2-40B4-BE49-F238E27FC236}">
-                <a16:creationId xmlns:a16="http://schemas.microsoft.com/office/drawing/2014/main" id="{73C08CBF-394D-482E-B254-7C796C7F55A7}"/>
+                <a16:creationId xmlns:a16="http://schemas.microsoft.com/office/drawing/2014/main" xmlns="" id="{73C08CBF-394D-482E-B254-7C796C7F55A7}"/>
               </a:ext>
             </a:extLst>
           </p:cNvPr>
@@ -7153,7 +7399,7 @@
           <p:cNvPr id="2" name="제목 1">
             <a:extLst>
               <a:ext uri="{FF2B5EF4-FFF2-40B4-BE49-F238E27FC236}">
-                <a16:creationId xmlns:a16="http://schemas.microsoft.com/office/drawing/2014/main" id="{20F42A30-7F35-4EB7-9C18-270E2E5C368E}"/>
+                <a16:creationId xmlns:a16="http://schemas.microsoft.com/office/drawing/2014/main" xmlns="" id="{20F42A30-7F35-4EB7-9C18-270E2E5C368E}"/>
               </a:ext>
             </a:extLst>
           </p:cNvPr>
@@ -7185,7 +7431,7 @@
           <p:cNvPr id="7" name="직사각형 6">
             <a:extLst>
               <a:ext uri="{FF2B5EF4-FFF2-40B4-BE49-F238E27FC236}">
-                <a16:creationId xmlns:a16="http://schemas.microsoft.com/office/drawing/2014/main" id="{B6B8905F-E9C5-4D4A-B0EB-E6F3B61B9105}"/>
+                <a16:creationId xmlns:a16="http://schemas.microsoft.com/office/drawing/2014/main" xmlns="" id="{B6B8905F-E9C5-4D4A-B0EB-E6F3B61B9105}"/>
               </a:ext>
             </a:extLst>
           </p:cNvPr>
@@ -7247,7 +7493,7 @@
           <p:cNvPr id="8" name="직사각형 7">
             <a:extLst>
               <a:ext uri="{FF2B5EF4-FFF2-40B4-BE49-F238E27FC236}">
-                <a16:creationId xmlns:a16="http://schemas.microsoft.com/office/drawing/2014/main" id="{F0D03AC7-980C-4707-BC74-7EE01D42E262}"/>
+                <a16:creationId xmlns:a16="http://schemas.microsoft.com/office/drawing/2014/main" xmlns="" id="{F0D03AC7-980C-4707-BC74-7EE01D42E262}"/>
               </a:ext>
             </a:extLst>
           </p:cNvPr>
@@ -7301,7 +7547,7 @@
           <p:cNvPr id="9" name="직사각형 8">
             <a:extLst>
               <a:ext uri="{FF2B5EF4-FFF2-40B4-BE49-F238E27FC236}">
-                <a16:creationId xmlns:a16="http://schemas.microsoft.com/office/drawing/2014/main" id="{FD6B3E83-9718-4833-BC18-44F881095FB7}"/>
+                <a16:creationId xmlns:a16="http://schemas.microsoft.com/office/drawing/2014/main" xmlns="" id="{FD6B3E83-9718-4833-BC18-44F881095FB7}"/>
               </a:ext>
             </a:extLst>
           </p:cNvPr>
@@ -7351,7 +7597,7 @@
           <p:cNvPr id="12" name="직사각형 11">
             <a:extLst>
               <a:ext uri="{FF2B5EF4-FFF2-40B4-BE49-F238E27FC236}">
-                <a16:creationId xmlns:a16="http://schemas.microsoft.com/office/drawing/2014/main" id="{20C22C3A-B7B9-483E-902B-27E5CC535412}"/>
+                <a16:creationId xmlns:a16="http://schemas.microsoft.com/office/drawing/2014/main" xmlns="" id="{20C22C3A-B7B9-483E-902B-27E5CC535412}"/>
               </a:ext>
             </a:extLst>
           </p:cNvPr>
@@ -7411,7 +7657,7 @@
           <p:cNvPr id="13" name="직사각형 12">
             <a:extLst>
               <a:ext uri="{FF2B5EF4-FFF2-40B4-BE49-F238E27FC236}">
-                <a16:creationId xmlns:a16="http://schemas.microsoft.com/office/drawing/2014/main" id="{27A44AC2-4E4F-4637-A4F7-09F8EEC392E6}"/>
+                <a16:creationId xmlns:a16="http://schemas.microsoft.com/office/drawing/2014/main" xmlns="" id="{27A44AC2-4E4F-4637-A4F7-09F8EEC392E6}"/>
               </a:ext>
             </a:extLst>
           </p:cNvPr>
@@ -7461,7 +7707,7 @@
           <p:cNvPr id="4" name="그림 3">
             <a:extLst>
               <a:ext uri="{FF2B5EF4-FFF2-40B4-BE49-F238E27FC236}">
-                <a16:creationId xmlns:a16="http://schemas.microsoft.com/office/drawing/2014/main" id="{4CF954F4-F933-4C7B-A539-235BE1406B91}"/>
+                <a16:creationId xmlns:a16="http://schemas.microsoft.com/office/drawing/2014/main" xmlns="" id="{4CF954F4-F933-4C7B-A539-235BE1406B91}"/>
               </a:ext>
             </a:extLst>
           </p:cNvPr>
@@ -7491,7 +7737,7 @@
           <p:cNvPr id="14" name="직사각형 13">
             <a:extLst>
               <a:ext uri="{FF2B5EF4-FFF2-40B4-BE49-F238E27FC236}">
-                <a16:creationId xmlns:a16="http://schemas.microsoft.com/office/drawing/2014/main" id="{489644BE-FE0F-4113-992A-A95EEBFC2DA1}"/>
+                <a16:creationId xmlns:a16="http://schemas.microsoft.com/office/drawing/2014/main" xmlns="" id="{489644BE-FE0F-4113-992A-A95EEBFC2DA1}"/>
               </a:ext>
             </a:extLst>
           </p:cNvPr>
@@ -7565,7 +7811,7 @@
           <p:cNvPr id="6" name="그림 5">
             <a:extLst>
               <a:ext uri="{FF2B5EF4-FFF2-40B4-BE49-F238E27FC236}">
-                <a16:creationId xmlns:a16="http://schemas.microsoft.com/office/drawing/2014/main" id="{EAD9FEBB-D2B5-4BB5-A937-C9A9C339CEEB}"/>
+                <a16:creationId xmlns:a16="http://schemas.microsoft.com/office/drawing/2014/main" xmlns="" id="{EAD9FEBB-D2B5-4BB5-A937-C9A9C339CEEB}"/>
               </a:ext>
             </a:extLst>
           </p:cNvPr>
@@ -7625,7 +7871,7 @@
           <p:cNvPr id="2" name="제목 1">
             <a:extLst>
               <a:ext uri="{FF2B5EF4-FFF2-40B4-BE49-F238E27FC236}">
-                <a16:creationId xmlns:a16="http://schemas.microsoft.com/office/drawing/2014/main" id="{20F42A30-7F35-4EB7-9C18-270E2E5C368E}"/>
+                <a16:creationId xmlns:a16="http://schemas.microsoft.com/office/drawing/2014/main" xmlns="" id="{20F42A30-7F35-4EB7-9C18-270E2E5C368E}"/>
               </a:ext>
             </a:extLst>
           </p:cNvPr>
@@ -7657,7 +7903,7 @@
           <p:cNvPr id="9" name="직사각형 8">
             <a:extLst>
               <a:ext uri="{FF2B5EF4-FFF2-40B4-BE49-F238E27FC236}">
-                <a16:creationId xmlns:a16="http://schemas.microsoft.com/office/drawing/2014/main" id="{FD6B3E83-9718-4833-BC18-44F881095FB7}"/>
+                <a16:creationId xmlns:a16="http://schemas.microsoft.com/office/drawing/2014/main" xmlns="" id="{FD6B3E83-9718-4833-BC18-44F881095FB7}"/>
               </a:ext>
             </a:extLst>
           </p:cNvPr>
@@ -7713,7 +7959,7 @@
           <p:cNvPr id="11" name="직사각형 10">
             <a:extLst>
               <a:ext uri="{FF2B5EF4-FFF2-40B4-BE49-F238E27FC236}">
-                <a16:creationId xmlns:a16="http://schemas.microsoft.com/office/drawing/2014/main" id="{A42743F7-5176-49C9-9252-CB408A65FCF9}"/>
+                <a16:creationId xmlns:a16="http://schemas.microsoft.com/office/drawing/2014/main" xmlns="" id="{A42743F7-5176-49C9-9252-CB408A65FCF9}"/>
               </a:ext>
             </a:extLst>
           </p:cNvPr>
@@ -7799,7 +8045,7 @@
           <p:cNvPr id="16" name="그림 15">
             <a:extLst>
               <a:ext uri="{FF2B5EF4-FFF2-40B4-BE49-F238E27FC236}">
-                <a16:creationId xmlns:a16="http://schemas.microsoft.com/office/drawing/2014/main" id="{8C911AC7-4846-4D7D-B9BB-C20391AE0DD0}"/>
+                <a16:creationId xmlns:a16="http://schemas.microsoft.com/office/drawing/2014/main" xmlns="" id="{8C911AC7-4846-4D7D-B9BB-C20391AE0DD0}"/>
               </a:ext>
             </a:extLst>
           </p:cNvPr>
@@ -7829,7 +8075,7 @@
           <p:cNvPr id="18" name="TextBox 17">
             <a:extLst>
               <a:ext uri="{FF2B5EF4-FFF2-40B4-BE49-F238E27FC236}">
-                <a16:creationId xmlns:a16="http://schemas.microsoft.com/office/drawing/2014/main" id="{E651F06E-134A-48FF-8A4C-2FBD36F408E7}"/>
+                <a16:creationId xmlns:a16="http://schemas.microsoft.com/office/drawing/2014/main" xmlns="" id="{E651F06E-134A-48FF-8A4C-2FBD36F408E7}"/>
               </a:ext>
             </a:extLst>
           </p:cNvPr>
@@ -7916,7 +8162,7 @@
           <p:cNvPr id="19" name="직사각형 18">
             <a:extLst>
               <a:ext uri="{FF2B5EF4-FFF2-40B4-BE49-F238E27FC236}">
-                <a16:creationId xmlns:a16="http://schemas.microsoft.com/office/drawing/2014/main" id="{EF509215-D59E-4338-B6FB-0905EE84BD09}"/>
+                <a16:creationId xmlns:a16="http://schemas.microsoft.com/office/drawing/2014/main" xmlns="" id="{EF509215-D59E-4338-B6FB-0905EE84BD09}"/>
               </a:ext>
             </a:extLst>
           </p:cNvPr>
@@ -7972,7 +8218,7 @@
           <p:cNvPr id="20" name="직사각형 19">
             <a:extLst>
               <a:ext uri="{FF2B5EF4-FFF2-40B4-BE49-F238E27FC236}">
-                <a16:creationId xmlns:a16="http://schemas.microsoft.com/office/drawing/2014/main" id="{55616C96-71F5-4337-B9ED-3AEE1E26E9EB}"/>
+                <a16:creationId xmlns:a16="http://schemas.microsoft.com/office/drawing/2014/main" xmlns="" id="{55616C96-71F5-4337-B9ED-3AEE1E26E9EB}"/>
               </a:ext>
             </a:extLst>
           </p:cNvPr>
@@ -8019,7 +8265,7 @@
           <p:cNvPr id="22" name="그림 21">
             <a:extLst>
               <a:ext uri="{FF2B5EF4-FFF2-40B4-BE49-F238E27FC236}">
-                <a16:creationId xmlns:a16="http://schemas.microsoft.com/office/drawing/2014/main" id="{0D251474-8EB7-4527-A29A-397DBA1952E6}"/>
+                <a16:creationId xmlns:a16="http://schemas.microsoft.com/office/drawing/2014/main" xmlns="" id="{0D251474-8EB7-4527-A29A-397DBA1952E6}"/>
               </a:ext>
             </a:extLst>
           </p:cNvPr>
@@ -8049,7 +8295,7 @@
           <p:cNvPr id="23" name="직사각형 22">
             <a:extLst>
               <a:ext uri="{FF2B5EF4-FFF2-40B4-BE49-F238E27FC236}">
-                <a16:creationId xmlns:a16="http://schemas.microsoft.com/office/drawing/2014/main" id="{837D5D41-FB3A-4FED-B4E9-06A7E2CDA5A9}"/>
+                <a16:creationId xmlns:a16="http://schemas.microsoft.com/office/drawing/2014/main" xmlns="" id="{837D5D41-FB3A-4FED-B4E9-06A7E2CDA5A9}"/>
               </a:ext>
             </a:extLst>
           </p:cNvPr>
@@ -8096,7 +8342,7 @@
           <p:cNvPr id="24" name="직사각형 23">
             <a:extLst>
               <a:ext uri="{FF2B5EF4-FFF2-40B4-BE49-F238E27FC236}">
-                <a16:creationId xmlns:a16="http://schemas.microsoft.com/office/drawing/2014/main" id="{CDEA95B3-7512-4136-ACED-7B9BC1936C30}"/>
+                <a16:creationId xmlns:a16="http://schemas.microsoft.com/office/drawing/2014/main" xmlns="" id="{CDEA95B3-7512-4136-ACED-7B9BC1936C30}"/>
               </a:ext>
             </a:extLst>
           </p:cNvPr>
@@ -8187,7 +8433,7 @@
           <p:cNvPr id="25" name="TextBox 24">
             <a:extLst>
               <a:ext uri="{FF2B5EF4-FFF2-40B4-BE49-F238E27FC236}">
-                <a16:creationId xmlns:a16="http://schemas.microsoft.com/office/drawing/2014/main" id="{A8E77B98-69DF-4E78-90C0-F0E675984BAA}"/>
+                <a16:creationId xmlns:a16="http://schemas.microsoft.com/office/drawing/2014/main" xmlns="" id="{A8E77B98-69DF-4E78-90C0-F0E675984BAA}"/>
               </a:ext>
             </a:extLst>
           </p:cNvPr>
@@ -8258,7 +8504,7 @@
           <p:cNvPr id="27" name="그림 26">
             <a:extLst>
               <a:ext uri="{FF2B5EF4-FFF2-40B4-BE49-F238E27FC236}">
-                <a16:creationId xmlns:a16="http://schemas.microsoft.com/office/drawing/2014/main" id="{1871394E-FCD7-47D2-962F-47D0FDD22D51}"/>
+                <a16:creationId xmlns:a16="http://schemas.microsoft.com/office/drawing/2014/main" xmlns="" id="{1871394E-FCD7-47D2-962F-47D0FDD22D51}"/>
               </a:ext>
             </a:extLst>
           </p:cNvPr>
@@ -8288,7 +8534,7 @@
           <p:cNvPr id="29" name="그림 28">
             <a:extLst>
               <a:ext uri="{FF2B5EF4-FFF2-40B4-BE49-F238E27FC236}">
-                <a16:creationId xmlns:a16="http://schemas.microsoft.com/office/drawing/2014/main" id="{B19FA04E-F67F-4082-89BD-46B932D8E38B}"/>
+                <a16:creationId xmlns:a16="http://schemas.microsoft.com/office/drawing/2014/main" xmlns="" id="{B19FA04E-F67F-4082-89BD-46B932D8E38B}"/>
               </a:ext>
             </a:extLst>
           </p:cNvPr>
@@ -8318,7 +8564,7 @@
           <p:cNvPr id="46" name="그룹 45">
             <a:extLst>
               <a:ext uri="{FF2B5EF4-FFF2-40B4-BE49-F238E27FC236}">
-                <a16:creationId xmlns:a16="http://schemas.microsoft.com/office/drawing/2014/main" id="{D2C8EEDB-DADC-4437-88D5-73FFF32C35A9}"/>
+                <a16:creationId xmlns:a16="http://schemas.microsoft.com/office/drawing/2014/main" xmlns="" id="{D2C8EEDB-DADC-4437-88D5-73FFF32C35A9}"/>
               </a:ext>
             </a:extLst>
           </p:cNvPr>
@@ -8338,7 +8584,7 @@
             <p:cNvPr id="31" name="그림 30">
               <a:extLst>
                 <a:ext uri="{FF2B5EF4-FFF2-40B4-BE49-F238E27FC236}">
-                  <a16:creationId xmlns:a16="http://schemas.microsoft.com/office/drawing/2014/main" id="{1C65B917-3473-4608-8C8F-1FE1D5C174D7}"/>
+                  <a16:creationId xmlns:a16="http://schemas.microsoft.com/office/drawing/2014/main" xmlns="" id="{1C65B917-3473-4608-8C8F-1FE1D5C174D7}"/>
                 </a:ext>
               </a:extLst>
             </p:cNvPr>
@@ -8368,7 +8614,7 @@
             <p:cNvPr id="37" name="직사각형 36">
               <a:extLst>
                 <a:ext uri="{FF2B5EF4-FFF2-40B4-BE49-F238E27FC236}">
-                  <a16:creationId xmlns:a16="http://schemas.microsoft.com/office/drawing/2014/main" id="{F2685DFB-FC6F-4E8C-B329-946F3BC14285}"/>
+                  <a16:creationId xmlns:a16="http://schemas.microsoft.com/office/drawing/2014/main" xmlns="" id="{F2685DFB-FC6F-4E8C-B329-946F3BC14285}"/>
                 </a:ext>
               </a:extLst>
             </p:cNvPr>
@@ -8414,7 +8660,7 @@
             <p:cNvPr id="41" name="연결선: 구부러짐 40">
               <a:extLst>
                 <a:ext uri="{FF2B5EF4-FFF2-40B4-BE49-F238E27FC236}">
-                  <a16:creationId xmlns:a16="http://schemas.microsoft.com/office/drawing/2014/main" id="{BF511AD4-4C0D-437D-B220-38A1100FDB5E}"/>
+                  <a16:creationId xmlns:a16="http://schemas.microsoft.com/office/drawing/2014/main" xmlns="" id="{BF511AD4-4C0D-437D-B220-38A1100FDB5E}"/>
                 </a:ext>
               </a:extLst>
             </p:cNvPr>
@@ -8457,7 +8703,7 @@
           <p:cNvPr id="45" name="그룹 44">
             <a:extLst>
               <a:ext uri="{FF2B5EF4-FFF2-40B4-BE49-F238E27FC236}">
-                <a16:creationId xmlns:a16="http://schemas.microsoft.com/office/drawing/2014/main" id="{20C30318-F0C8-45EC-B880-52F1372DEA61}"/>
+                <a16:creationId xmlns:a16="http://schemas.microsoft.com/office/drawing/2014/main" xmlns="" id="{20C30318-F0C8-45EC-B880-52F1372DEA61}"/>
               </a:ext>
             </a:extLst>
           </p:cNvPr>
@@ -8477,7 +8723,7 @@
             <p:cNvPr id="35" name="그림 34">
               <a:extLst>
                 <a:ext uri="{FF2B5EF4-FFF2-40B4-BE49-F238E27FC236}">
-                  <a16:creationId xmlns:a16="http://schemas.microsoft.com/office/drawing/2014/main" id="{BC71C198-AFCA-4A9A-A9C8-96F3332EA585}"/>
+                  <a16:creationId xmlns:a16="http://schemas.microsoft.com/office/drawing/2014/main" xmlns="" id="{BC71C198-AFCA-4A9A-A9C8-96F3332EA585}"/>
                 </a:ext>
               </a:extLst>
             </p:cNvPr>
@@ -8507,7 +8753,7 @@
             <p:cNvPr id="36" name="직사각형 35">
               <a:extLst>
                 <a:ext uri="{FF2B5EF4-FFF2-40B4-BE49-F238E27FC236}">
-                  <a16:creationId xmlns:a16="http://schemas.microsoft.com/office/drawing/2014/main" id="{16FE107E-E60E-4060-B7F3-20577AAB67F7}"/>
+                  <a16:creationId xmlns:a16="http://schemas.microsoft.com/office/drawing/2014/main" xmlns="" id="{16FE107E-E60E-4060-B7F3-20577AAB67F7}"/>
                 </a:ext>
               </a:extLst>
             </p:cNvPr>
@@ -8553,7 +8799,7 @@
             <p:cNvPr id="43" name="연결선: 구부러짐 42">
               <a:extLst>
                 <a:ext uri="{FF2B5EF4-FFF2-40B4-BE49-F238E27FC236}">
-                  <a16:creationId xmlns:a16="http://schemas.microsoft.com/office/drawing/2014/main" id="{3A68570B-5F14-45DA-97EF-402429C53603}"/>
+                  <a16:creationId xmlns:a16="http://schemas.microsoft.com/office/drawing/2014/main" xmlns="" id="{3A68570B-5F14-45DA-97EF-402429C53603}"/>
                 </a:ext>
               </a:extLst>
             </p:cNvPr>
@@ -8626,7 +8872,7 @@
           <p:cNvPr id="4" name="제목 3">
             <a:extLst>
               <a:ext uri="{FF2B5EF4-FFF2-40B4-BE49-F238E27FC236}">
-                <a16:creationId xmlns:a16="http://schemas.microsoft.com/office/drawing/2014/main" id="{EB6D438C-A184-447B-ACCE-00753F422508}"/>
+                <a16:creationId xmlns:a16="http://schemas.microsoft.com/office/drawing/2014/main" xmlns="" id="{EB6D438C-A184-447B-ACCE-00753F422508}"/>
               </a:ext>
             </a:extLst>
           </p:cNvPr>
@@ -8654,7 +8900,7 @@
           <p:cNvPr id="3" name="TextBox 2">
             <a:extLst>
               <a:ext uri="{FF2B5EF4-FFF2-40B4-BE49-F238E27FC236}">
-                <a16:creationId xmlns:a16="http://schemas.microsoft.com/office/drawing/2014/main" id="{F9A6C601-67F6-47DF-9DE9-1E96C97FE972}"/>
+                <a16:creationId xmlns:a16="http://schemas.microsoft.com/office/drawing/2014/main" xmlns="" id="{F9A6C601-67F6-47DF-9DE9-1E96C97FE972}"/>
               </a:ext>
             </a:extLst>
           </p:cNvPr>
@@ -8690,7 +8936,7 @@
           <p:cNvPr id="5" name="직사각형 4">
             <a:extLst>
               <a:ext uri="{FF2B5EF4-FFF2-40B4-BE49-F238E27FC236}">
-                <a16:creationId xmlns:a16="http://schemas.microsoft.com/office/drawing/2014/main" id="{1A65BB47-77B8-443B-B027-515F0DA94C51}"/>
+                <a16:creationId xmlns:a16="http://schemas.microsoft.com/office/drawing/2014/main" xmlns="" id="{1A65BB47-77B8-443B-B027-515F0DA94C51}"/>
               </a:ext>
             </a:extLst>
           </p:cNvPr>
@@ -8743,6 +8989,12 @@
               </a:rPr>
               <a:t>다양한 화면 크기의 모바일 기기들이 계속 쏟아져 나오는데 그 때마다 그 크기에 맞춘 사이트를 별도로 제작하는 것은 비효율적</a:t>
             </a:r>
+            <a:r>
+              <a:rPr lang="en-US" altLang="ko-KR" sz="1200">
+                <a:latin typeface="+mn-ea"/>
+              </a:rPr>
+              <a:t/>
+            </a:r>
             <a:br>
               <a:rPr lang="en-US" altLang="ko-KR" sz="1200">
                 <a:latin typeface="+mn-ea"/>
@@ -8773,7 +9025,7 @@
           <p:cNvPr id="6" name="TextBox 5">
             <a:extLst>
               <a:ext uri="{FF2B5EF4-FFF2-40B4-BE49-F238E27FC236}">
-                <a16:creationId xmlns:a16="http://schemas.microsoft.com/office/drawing/2014/main" id="{D4F6506B-B47A-463D-AC46-0295AE5DEBE6}"/>
+                <a16:creationId xmlns:a16="http://schemas.microsoft.com/office/drawing/2014/main" xmlns="" id="{D4F6506B-B47A-463D-AC46-0295AE5DEBE6}"/>
               </a:ext>
             </a:extLst>
           </p:cNvPr>
@@ -8812,7 +9064,7 @@
           <p:cNvPr id="7" name="직사각형 6">
             <a:extLst>
               <a:ext uri="{FF2B5EF4-FFF2-40B4-BE49-F238E27FC236}">
-                <a16:creationId xmlns:a16="http://schemas.microsoft.com/office/drawing/2014/main" id="{15C1BDFA-018A-4EA7-9A0A-2496749849B0}"/>
+                <a16:creationId xmlns:a16="http://schemas.microsoft.com/office/drawing/2014/main" xmlns="" id="{15C1BDFA-018A-4EA7-9A0A-2496749849B0}"/>
               </a:ext>
             </a:extLst>
           </p:cNvPr>
@@ -8883,6 +9135,12 @@
               </a:rPr>
               <a:t>화면과 모바일 화면의 픽셀 표시 방법이 다르기 때문에 </a:t>
             </a:r>
+            <a:r>
+              <a:rPr lang="en-US" altLang="ko-KR" sz="1200">
+                <a:latin typeface="+mn-ea"/>
+              </a:rPr>
+              <a:t/>
+            </a:r>
             <a:br>
               <a:rPr lang="en-US" altLang="ko-KR" sz="1200">
                 <a:latin typeface="+mn-ea"/>
@@ -8894,6 +9152,12 @@
               </a:rPr>
               <a:t>모바일 화면에서 의도한대로 표시되지 않음 </a:t>
             </a:r>
+            <a:r>
+              <a:rPr lang="en-US" altLang="ko-KR" sz="1200">
+                <a:latin typeface="+mn-ea"/>
+              </a:rPr>
+              <a:t/>
+            </a:r>
             <a:br>
               <a:rPr lang="en-US" altLang="ko-KR" sz="1200">
                 <a:latin typeface="+mn-ea"/>
@@ -8938,7 +9202,7 @@
           <p:cNvPr id="8" name="그림 7">
             <a:extLst>
               <a:ext uri="{FF2B5EF4-FFF2-40B4-BE49-F238E27FC236}">
-                <a16:creationId xmlns:a16="http://schemas.microsoft.com/office/drawing/2014/main" id="{17B3F0FE-75EF-4005-85B0-99C6FA1D2114}"/>
+                <a16:creationId xmlns:a16="http://schemas.microsoft.com/office/drawing/2014/main" xmlns="" id="{17B3F0FE-75EF-4005-85B0-99C6FA1D2114}"/>
               </a:ext>
             </a:extLst>
           </p:cNvPr>
@@ -8997,7 +9261,7 @@
           <p:cNvPr id="2" name="제목 1">
             <a:extLst>
               <a:ext uri="{FF2B5EF4-FFF2-40B4-BE49-F238E27FC236}">
-                <a16:creationId xmlns:a16="http://schemas.microsoft.com/office/drawing/2014/main" id="{0E17320A-9BAA-47E0-98D9-470E64F28336}"/>
+                <a16:creationId xmlns:a16="http://schemas.microsoft.com/office/drawing/2014/main" xmlns="" id="{0E17320A-9BAA-47E0-98D9-470E64F28336}"/>
               </a:ext>
             </a:extLst>
           </p:cNvPr>
@@ -9029,7 +9293,7 @@
           <p:cNvPr id="3" name="직사각형 2">
             <a:extLst>
               <a:ext uri="{FF2B5EF4-FFF2-40B4-BE49-F238E27FC236}">
-                <a16:creationId xmlns:a16="http://schemas.microsoft.com/office/drawing/2014/main" id="{9A9B76AE-1CBE-4F5B-9991-526723A626CD}"/>
+                <a16:creationId xmlns:a16="http://schemas.microsoft.com/office/drawing/2014/main" xmlns="" id="{9A9B76AE-1CBE-4F5B-9991-526723A626CD}"/>
               </a:ext>
             </a:extLst>
           </p:cNvPr>
@@ -9073,7 +9337,7 @@
           <p:cNvPr id="4" name="직사각형 3">
             <a:extLst>
               <a:ext uri="{FF2B5EF4-FFF2-40B4-BE49-F238E27FC236}">
-                <a16:creationId xmlns:a16="http://schemas.microsoft.com/office/drawing/2014/main" id="{7661950E-0A81-4DA2-AD42-206A1EE8EBB2}"/>
+                <a16:creationId xmlns:a16="http://schemas.microsoft.com/office/drawing/2014/main" xmlns="" id="{7661950E-0A81-4DA2-AD42-206A1EE8EBB2}"/>
               </a:ext>
             </a:extLst>
           </p:cNvPr>
@@ -9143,7 +9407,7 @@
           <p:cNvPr id="7" name="그림 6">
             <a:extLst>
               <a:ext uri="{FF2B5EF4-FFF2-40B4-BE49-F238E27FC236}">
-                <a16:creationId xmlns:a16="http://schemas.microsoft.com/office/drawing/2014/main" id="{FB45A671-975D-4E3D-8266-3646FD107613}"/>
+                <a16:creationId xmlns:a16="http://schemas.microsoft.com/office/drawing/2014/main" xmlns="" id="{FB45A671-975D-4E3D-8266-3646FD107613}"/>
               </a:ext>
             </a:extLst>
           </p:cNvPr>
@@ -9173,7 +9437,7 @@
           <p:cNvPr id="9" name="그림 8">
             <a:extLst>
               <a:ext uri="{FF2B5EF4-FFF2-40B4-BE49-F238E27FC236}">
-                <a16:creationId xmlns:a16="http://schemas.microsoft.com/office/drawing/2014/main" id="{02C068E4-15DB-4F49-B1DC-980A3887275C}"/>
+                <a16:creationId xmlns:a16="http://schemas.microsoft.com/office/drawing/2014/main" xmlns="" id="{02C068E4-15DB-4F49-B1DC-980A3887275C}"/>
               </a:ext>
             </a:extLst>
           </p:cNvPr>
@@ -9203,7 +9467,7 @@
           <p:cNvPr id="11" name="그림 10">
             <a:extLst>
               <a:ext uri="{FF2B5EF4-FFF2-40B4-BE49-F238E27FC236}">
-                <a16:creationId xmlns:a16="http://schemas.microsoft.com/office/drawing/2014/main" id="{86CDFEC0-1EFB-4B4C-90E8-D300CBC01F28}"/>
+                <a16:creationId xmlns:a16="http://schemas.microsoft.com/office/drawing/2014/main" xmlns="" id="{86CDFEC0-1EFB-4B4C-90E8-D300CBC01F28}"/>
               </a:ext>
             </a:extLst>
           </p:cNvPr>
@@ -9233,7 +9497,7 @@
           <p:cNvPr id="13" name="그림 12">
             <a:extLst>
               <a:ext uri="{FF2B5EF4-FFF2-40B4-BE49-F238E27FC236}">
-                <a16:creationId xmlns:a16="http://schemas.microsoft.com/office/drawing/2014/main" id="{7D28CEBE-7B1A-4C64-8CBD-D21EAB4F7D2A}"/>
+                <a16:creationId xmlns:a16="http://schemas.microsoft.com/office/drawing/2014/main" xmlns="" id="{7D28CEBE-7B1A-4C64-8CBD-D21EAB4F7D2A}"/>
               </a:ext>
             </a:extLst>
           </p:cNvPr>
@@ -9263,7 +9527,7 @@
           <p:cNvPr id="15" name="그림 14">
             <a:extLst>
               <a:ext uri="{FF2B5EF4-FFF2-40B4-BE49-F238E27FC236}">
-                <a16:creationId xmlns:a16="http://schemas.microsoft.com/office/drawing/2014/main" id="{99CAA7F4-46E1-4ACA-9151-2DB803F38D34}"/>
+                <a16:creationId xmlns:a16="http://schemas.microsoft.com/office/drawing/2014/main" xmlns="" id="{99CAA7F4-46E1-4ACA-9151-2DB803F38D34}"/>
               </a:ext>
             </a:extLst>
           </p:cNvPr>
@@ -9293,7 +9557,7 @@
           <p:cNvPr id="17" name="직선 연결선 16">
             <a:extLst>
               <a:ext uri="{FF2B5EF4-FFF2-40B4-BE49-F238E27FC236}">
-                <a16:creationId xmlns:a16="http://schemas.microsoft.com/office/drawing/2014/main" id="{7DF43619-78EE-4492-9428-64B34125814A}"/>
+                <a16:creationId xmlns:a16="http://schemas.microsoft.com/office/drawing/2014/main" xmlns="" id="{7DF43619-78EE-4492-9428-64B34125814A}"/>
               </a:ext>
             </a:extLst>
           </p:cNvPr>
@@ -9362,7 +9626,7 @@
           <p:cNvPr id="2" name="제목 1">
             <a:extLst>
               <a:ext uri="{FF2B5EF4-FFF2-40B4-BE49-F238E27FC236}">
-                <a16:creationId xmlns:a16="http://schemas.microsoft.com/office/drawing/2014/main" id="{0E17320A-9BAA-47E0-98D9-470E64F28336}"/>
+                <a16:creationId xmlns:a16="http://schemas.microsoft.com/office/drawing/2014/main" xmlns="" id="{0E17320A-9BAA-47E0-98D9-470E64F28336}"/>
               </a:ext>
             </a:extLst>
           </p:cNvPr>
@@ -9394,7 +9658,7 @@
           <p:cNvPr id="3" name="직사각형 2">
             <a:extLst>
               <a:ext uri="{FF2B5EF4-FFF2-40B4-BE49-F238E27FC236}">
-                <a16:creationId xmlns:a16="http://schemas.microsoft.com/office/drawing/2014/main" id="{9A9B76AE-1CBE-4F5B-9991-526723A626CD}"/>
+                <a16:creationId xmlns:a16="http://schemas.microsoft.com/office/drawing/2014/main" xmlns="" id="{9A9B76AE-1CBE-4F5B-9991-526723A626CD}"/>
               </a:ext>
             </a:extLst>
           </p:cNvPr>
@@ -9438,7 +9702,7 @@
           <p:cNvPr id="4" name="직사각형 3">
             <a:extLst>
               <a:ext uri="{FF2B5EF4-FFF2-40B4-BE49-F238E27FC236}">
-                <a16:creationId xmlns:a16="http://schemas.microsoft.com/office/drawing/2014/main" id="{7661950E-0A81-4DA2-AD42-206A1EE8EBB2}"/>
+                <a16:creationId xmlns:a16="http://schemas.microsoft.com/office/drawing/2014/main" xmlns="" id="{7661950E-0A81-4DA2-AD42-206A1EE8EBB2}"/>
               </a:ext>
             </a:extLst>
           </p:cNvPr>
@@ -9488,7 +9752,7 @@
           <p:cNvPr id="17" name="직선 연결선 16">
             <a:extLst>
               <a:ext uri="{FF2B5EF4-FFF2-40B4-BE49-F238E27FC236}">
-                <a16:creationId xmlns:a16="http://schemas.microsoft.com/office/drawing/2014/main" id="{7DF43619-78EE-4492-9428-64B34125814A}"/>
+                <a16:creationId xmlns:a16="http://schemas.microsoft.com/office/drawing/2014/main" xmlns="" id="{7DF43619-78EE-4492-9428-64B34125814A}"/>
               </a:ext>
             </a:extLst>
           </p:cNvPr>
@@ -9527,7 +9791,7 @@
           <p:cNvPr id="6" name="그림 5">
             <a:extLst>
               <a:ext uri="{FF2B5EF4-FFF2-40B4-BE49-F238E27FC236}">
-                <a16:creationId xmlns:a16="http://schemas.microsoft.com/office/drawing/2014/main" id="{39270276-851A-4E7D-B6D1-C71BB0C31EA6}"/>
+                <a16:creationId xmlns:a16="http://schemas.microsoft.com/office/drawing/2014/main" xmlns="" id="{39270276-851A-4E7D-B6D1-C71BB0C31EA6}"/>
               </a:ext>
             </a:extLst>
           </p:cNvPr>
@@ -9557,7 +9821,7 @@
           <p:cNvPr id="8" name="TextBox 7">
             <a:extLst>
               <a:ext uri="{FF2B5EF4-FFF2-40B4-BE49-F238E27FC236}">
-                <a16:creationId xmlns:a16="http://schemas.microsoft.com/office/drawing/2014/main" id="{15ACE8F9-5A57-4B5B-A102-CF9D4D431DED}"/>
+                <a16:creationId xmlns:a16="http://schemas.microsoft.com/office/drawing/2014/main" xmlns="" id="{15ACE8F9-5A57-4B5B-A102-CF9D4D431DED}"/>
               </a:ext>
             </a:extLst>
           </p:cNvPr>
@@ -9612,7 +9876,7 @@
           <p:cNvPr id="14" name="직사각형 13">
             <a:extLst>
               <a:ext uri="{FF2B5EF4-FFF2-40B4-BE49-F238E27FC236}">
-                <a16:creationId xmlns:a16="http://schemas.microsoft.com/office/drawing/2014/main" id="{DF0477B6-5588-4EFF-B44D-964278A1A7D6}"/>
+                <a16:creationId xmlns:a16="http://schemas.microsoft.com/office/drawing/2014/main" xmlns="" id="{DF0477B6-5588-4EFF-B44D-964278A1A7D6}"/>
               </a:ext>
             </a:extLst>
           </p:cNvPr>
@@ -9662,7 +9926,7 @@
           <p:cNvPr id="16" name="직사각형 15">
             <a:extLst>
               <a:ext uri="{FF2B5EF4-FFF2-40B4-BE49-F238E27FC236}">
-                <a16:creationId xmlns:a16="http://schemas.microsoft.com/office/drawing/2014/main" id="{32418AEE-B86F-404E-B26F-6359F4272034}"/>
+                <a16:creationId xmlns:a16="http://schemas.microsoft.com/office/drawing/2014/main" xmlns="" id="{32418AEE-B86F-404E-B26F-6359F4272034}"/>
               </a:ext>
             </a:extLst>
           </p:cNvPr>
@@ -9712,7 +9976,7 @@
           <p:cNvPr id="12" name="그림 11">
             <a:extLst>
               <a:ext uri="{FF2B5EF4-FFF2-40B4-BE49-F238E27FC236}">
-                <a16:creationId xmlns:a16="http://schemas.microsoft.com/office/drawing/2014/main" id="{A91829F9-CFCF-4D7A-B208-2893A23A608D}"/>
+                <a16:creationId xmlns:a16="http://schemas.microsoft.com/office/drawing/2014/main" xmlns="" id="{A91829F9-CFCF-4D7A-B208-2893A23A608D}"/>
               </a:ext>
             </a:extLst>
           </p:cNvPr>
@@ -9742,7 +10006,7 @@
           <p:cNvPr id="19" name="그림 18">
             <a:extLst>
               <a:ext uri="{FF2B5EF4-FFF2-40B4-BE49-F238E27FC236}">
-                <a16:creationId xmlns:a16="http://schemas.microsoft.com/office/drawing/2014/main" id="{16BC53E9-043C-46BE-B471-84957228475C}"/>
+                <a16:creationId xmlns:a16="http://schemas.microsoft.com/office/drawing/2014/main" xmlns="" id="{16BC53E9-043C-46BE-B471-84957228475C}"/>
               </a:ext>
             </a:extLst>
           </p:cNvPr>
@@ -9772,7 +10036,7 @@
           <p:cNvPr id="21" name="그림 20">
             <a:extLst>
               <a:ext uri="{FF2B5EF4-FFF2-40B4-BE49-F238E27FC236}">
-                <a16:creationId xmlns:a16="http://schemas.microsoft.com/office/drawing/2014/main" id="{B5726892-9A81-498B-97F3-391927427B16}"/>
+                <a16:creationId xmlns:a16="http://schemas.microsoft.com/office/drawing/2014/main" xmlns="" id="{B5726892-9A81-498B-97F3-391927427B16}"/>
               </a:ext>
             </a:extLst>
           </p:cNvPr>
@@ -9802,7 +10066,7 @@
           <p:cNvPr id="22" name="직사각형 21">
             <a:extLst>
               <a:ext uri="{FF2B5EF4-FFF2-40B4-BE49-F238E27FC236}">
-                <a16:creationId xmlns:a16="http://schemas.microsoft.com/office/drawing/2014/main" id="{F2E195CF-B730-4DCB-9946-64B6F7FECB3C}"/>
+                <a16:creationId xmlns:a16="http://schemas.microsoft.com/office/drawing/2014/main" xmlns="" id="{F2E195CF-B730-4DCB-9946-64B6F7FECB3C}"/>
               </a:ext>
             </a:extLst>
           </p:cNvPr>
@@ -9882,7 +10146,7 @@
           <p:cNvPr id="4" name="제목 3">
             <a:extLst>
               <a:ext uri="{FF2B5EF4-FFF2-40B4-BE49-F238E27FC236}">
-                <a16:creationId xmlns:a16="http://schemas.microsoft.com/office/drawing/2014/main" id="{EB6D438C-A184-447B-ACCE-00753F422508}"/>
+                <a16:creationId xmlns:a16="http://schemas.microsoft.com/office/drawing/2014/main" xmlns="" id="{EB6D438C-A184-447B-ACCE-00753F422508}"/>
               </a:ext>
             </a:extLst>
           </p:cNvPr>
@@ -9910,7 +10174,7 @@
           <p:cNvPr id="3" name="TextBox 2">
             <a:extLst>
               <a:ext uri="{FF2B5EF4-FFF2-40B4-BE49-F238E27FC236}">
-                <a16:creationId xmlns:a16="http://schemas.microsoft.com/office/drawing/2014/main" id="{F9A6C601-67F6-47DF-9DE9-1E96C97FE972}"/>
+                <a16:creationId xmlns:a16="http://schemas.microsoft.com/office/drawing/2014/main" xmlns="" id="{F9A6C601-67F6-47DF-9DE9-1E96C97FE972}"/>
               </a:ext>
             </a:extLst>
           </p:cNvPr>
@@ -9946,7 +10210,7 @@
           <p:cNvPr id="9" name="그림 8">
             <a:extLst>
               <a:ext uri="{FF2B5EF4-FFF2-40B4-BE49-F238E27FC236}">
-                <a16:creationId xmlns:a16="http://schemas.microsoft.com/office/drawing/2014/main" id="{43841DDA-53AF-4404-BE87-ECBEA7E4682F}"/>
+                <a16:creationId xmlns:a16="http://schemas.microsoft.com/office/drawing/2014/main" xmlns="" id="{43841DDA-53AF-4404-BE87-ECBEA7E4682F}"/>
               </a:ext>
             </a:extLst>
           </p:cNvPr>
@@ -9976,7 +10240,7 @@
           <p:cNvPr id="11" name="그림 10">
             <a:extLst>
               <a:ext uri="{FF2B5EF4-FFF2-40B4-BE49-F238E27FC236}">
-                <a16:creationId xmlns:a16="http://schemas.microsoft.com/office/drawing/2014/main" id="{AF67C7BE-BA1F-4A3B-A8B5-194BF45EE03D}"/>
+                <a16:creationId xmlns:a16="http://schemas.microsoft.com/office/drawing/2014/main" xmlns="" id="{AF67C7BE-BA1F-4A3B-A8B5-194BF45EE03D}"/>
               </a:ext>
             </a:extLst>
           </p:cNvPr>
@@ -10006,7 +10270,7 @@
           <p:cNvPr id="12" name="TextBox 11">
             <a:extLst>
               <a:ext uri="{FF2B5EF4-FFF2-40B4-BE49-F238E27FC236}">
-                <a16:creationId xmlns:a16="http://schemas.microsoft.com/office/drawing/2014/main" id="{BF6E1A8E-3527-4FD0-B79C-2CEE78BCD30C}"/>
+                <a16:creationId xmlns:a16="http://schemas.microsoft.com/office/drawing/2014/main" xmlns="" id="{BF6E1A8E-3527-4FD0-B79C-2CEE78BCD30C}"/>
               </a:ext>
             </a:extLst>
           </p:cNvPr>
@@ -10042,7 +10306,7 @@
           <p:cNvPr id="14" name="그림 13">
             <a:extLst>
               <a:ext uri="{FF2B5EF4-FFF2-40B4-BE49-F238E27FC236}">
-                <a16:creationId xmlns:a16="http://schemas.microsoft.com/office/drawing/2014/main" id="{B357CD36-9657-4881-820A-C424EB9DBDB1}"/>
+                <a16:creationId xmlns:a16="http://schemas.microsoft.com/office/drawing/2014/main" xmlns="" id="{B357CD36-9657-4881-820A-C424EB9DBDB1}"/>
               </a:ext>
             </a:extLst>
           </p:cNvPr>
@@ -10072,7 +10336,7 @@
           <p:cNvPr id="16" name="그림 15">
             <a:extLst>
               <a:ext uri="{FF2B5EF4-FFF2-40B4-BE49-F238E27FC236}">
-                <a16:creationId xmlns:a16="http://schemas.microsoft.com/office/drawing/2014/main" id="{6941D3BF-884D-446A-A8E8-73C677A012ED}"/>
+                <a16:creationId xmlns:a16="http://schemas.microsoft.com/office/drawing/2014/main" xmlns="" id="{6941D3BF-884D-446A-A8E8-73C677A012ED}"/>
               </a:ext>
             </a:extLst>
           </p:cNvPr>
@@ -10102,7 +10366,7 @@
           <p:cNvPr id="18" name="TextBox 17">
             <a:extLst>
               <a:ext uri="{FF2B5EF4-FFF2-40B4-BE49-F238E27FC236}">
-                <a16:creationId xmlns:a16="http://schemas.microsoft.com/office/drawing/2014/main" id="{65E80228-BD5D-4CD4-8552-342CB70A54C8}"/>
+                <a16:creationId xmlns:a16="http://schemas.microsoft.com/office/drawing/2014/main" xmlns="" id="{65E80228-BD5D-4CD4-8552-342CB70A54C8}"/>
               </a:ext>
             </a:extLst>
           </p:cNvPr>
@@ -10175,7 +10439,7 @@
           <p:cNvPr id="20" name="그림 19">
             <a:extLst>
               <a:ext uri="{FF2B5EF4-FFF2-40B4-BE49-F238E27FC236}">
-                <a16:creationId xmlns:a16="http://schemas.microsoft.com/office/drawing/2014/main" id="{B17CAC0A-BBBF-4201-A60A-A64637C69CAC}"/>
+                <a16:creationId xmlns:a16="http://schemas.microsoft.com/office/drawing/2014/main" xmlns="" id="{B17CAC0A-BBBF-4201-A60A-A64637C69CAC}"/>
               </a:ext>
             </a:extLst>
           </p:cNvPr>
@@ -10205,7 +10469,7 @@
           <p:cNvPr id="22" name="직선 연결선 21">
             <a:extLst>
               <a:ext uri="{FF2B5EF4-FFF2-40B4-BE49-F238E27FC236}">
-                <a16:creationId xmlns:a16="http://schemas.microsoft.com/office/drawing/2014/main" id="{BA4ED1B7-DA68-4812-BC3F-BEE35509DEFE}"/>
+                <a16:creationId xmlns:a16="http://schemas.microsoft.com/office/drawing/2014/main" xmlns="" id="{BA4ED1B7-DA68-4812-BC3F-BEE35509DEFE}"/>
               </a:ext>
             </a:extLst>
           </p:cNvPr>
@@ -10274,7 +10538,7 @@
           <p:cNvPr id="4" name="제목 3">
             <a:extLst>
               <a:ext uri="{FF2B5EF4-FFF2-40B4-BE49-F238E27FC236}">
-                <a16:creationId xmlns:a16="http://schemas.microsoft.com/office/drawing/2014/main" id="{EB6D438C-A184-447B-ACCE-00753F422508}"/>
+                <a16:creationId xmlns:a16="http://schemas.microsoft.com/office/drawing/2014/main" xmlns="" id="{EB6D438C-A184-447B-ACCE-00753F422508}"/>
               </a:ext>
             </a:extLst>
           </p:cNvPr>
@@ -10302,7 +10566,7 @@
           <p:cNvPr id="13" name="직사각형 12">
             <a:extLst>
               <a:ext uri="{FF2B5EF4-FFF2-40B4-BE49-F238E27FC236}">
-                <a16:creationId xmlns:a16="http://schemas.microsoft.com/office/drawing/2014/main" id="{40C221B9-006E-4B5F-AD09-727878287AEF}"/>
+                <a16:creationId xmlns:a16="http://schemas.microsoft.com/office/drawing/2014/main" xmlns="" id="{40C221B9-006E-4B5F-AD09-727878287AEF}"/>
               </a:ext>
             </a:extLst>
           </p:cNvPr>
@@ -10406,7 +10670,7 @@
           <p:cNvPr id="15" name="TextBox 14">
             <a:extLst>
               <a:ext uri="{FF2B5EF4-FFF2-40B4-BE49-F238E27FC236}">
-                <a16:creationId xmlns:a16="http://schemas.microsoft.com/office/drawing/2014/main" id="{9D91F349-5F91-4D5F-A633-2866FFB69C90}"/>
+                <a16:creationId xmlns:a16="http://schemas.microsoft.com/office/drawing/2014/main" xmlns="" id="{9D91F349-5F91-4D5F-A633-2866FFB69C90}"/>
               </a:ext>
             </a:extLst>
           </p:cNvPr>
@@ -10472,7 +10736,7 @@
           <p:cNvPr id="17" name="TextBox 16">
             <a:extLst>
               <a:ext uri="{FF2B5EF4-FFF2-40B4-BE49-F238E27FC236}">
-                <a16:creationId xmlns:a16="http://schemas.microsoft.com/office/drawing/2014/main" id="{9A423A51-2D51-46B7-9431-6246159A8328}"/>
+                <a16:creationId xmlns:a16="http://schemas.microsoft.com/office/drawing/2014/main" xmlns="" id="{9A423A51-2D51-46B7-9431-6246159A8328}"/>
               </a:ext>
             </a:extLst>
           </p:cNvPr>
@@ -10508,7 +10772,7 @@
           <p:cNvPr id="19" name="직사각형 18">
             <a:extLst>
               <a:ext uri="{FF2B5EF4-FFF2-40B4-BE49-F238E27FC236}">
-                <a16:creationId xmlns:a16="http://schemas.microsoft.com/office/drawing/2014/main" id="{57041CFA-4C08-4933-960D-A6594E40ADD8}"/>
+                <a16:creationId xmlns:a16="http://schemas.microsoft.com/office/drawing/2014/main" xmlns="" id="{57041CFA-4C08-4933-960D-A6594E40ADD8}"/>
               </a:ext>
             </a:extLst>
           </p:cNvPr>
@@ -10605,7 +10869,7 @@
           <p:cNvPr id="8" name="그림 7">
             <a:extLst>
               <a:ext uri="{FF2B5EF4-FFF2-40B4-BE49-F238E27FC236}">
-                <a16:creationId xmlns:a16="http://schemas.microsoft.com/office/drawing/2014/main" id="{742DCC40-4A00-4EB4-B4F1-4507F6F5C081}"/>
+                <a16:creationId xmlns:a16="http://schemas.microsoft.com/office/drawing/2014/main" xmlns="" id="{742DCC40-4A00-4EB4-B4F1-4507F6F5C081}"/>
               </a:ext>
             </a:extLst>
           </p:cNvPr>
@@ -10635,7 +10899,7 @@
           <p:cNvPr id="21" name="그림 20">
             <a:extLst>
               <a:ext uri="{FF2B5EF4-FFF2-40B4-BE49-F238E27FC236}">
-                <a16:creationId xmlns:a16="http://schemas.microsoft.com/office/drawing/2014/main" id="{BB0E3E9B-E220-49E7-B7A0-1564E5ABEADF}"/>
+                <a16:creationId xmlns:a16="http://schemas.microsoft.com/office/drawing/2014/main" xmlns="" id="{BB0E3E9B-E220-49E7-B7A0-1564E5ABEADF}"/>
               </a:ext>
             </a:extLst>
           </p:cNvPr>
@@ -10665,7 +10929,7 @@
           <p:cNvPr id="23" name="TextBox 22">
             <a:extLst>
               <a:ext uri="{FF2B5EF4-FFF2-40B4-BE49-F238E27FC236}">
-                <a16:creationId xmlns:a16="http://schemas.microsoft.com/office/drawing/2014/main" id="{C7AD9F63-4F79-409A-B589-85CCEC13D02D}"/>
+                <a16:creationId xmlns:a16="http://schemas.microsoft.com/office/drawing/2014/main" xmlns="" id="{C7AD9F63-4F79-409A-B589-85CCEC13D02D}"/>
               </a:ext>
             </a:extLst>
           </p:cNvPr>
@@ -10749,6 +11013,14 @@
               </a:rPr>
               <a:t>이고 </a:t>
             </a:r>
+            <a:r>
+              <a:rPr lang="en-US" altLang="ko-KR" sz="1100">
+                <a:solidFill>
+                  <a:srgbClr val="0070C0"/>
+                </a:solidFill>
+              </a:rPr>
+              <a:t/>
+            </a:r>
             <a:br>
               <a:rPr lang="en-US" altLang="ko-KR" sz="1100">
                 <a:solidFill>
@@ -10809,7 +11081,7 @@
           <p:cNvPr id="25" name="그림 24">
             <a:extLst>
               <a:ext uri="{FF2B5EF4-FFF2-40B4-BE49-F238E27FC236}">
-                <a16:creationId xmlns:a16="http://schemas.microsoft.com/office/drawing/2014/main" id="{E37D5BE1-33DD-4113-B979-AF3CD8C585B5}"/>
+                <a16:creationId xmlns:a16="http://schemas.microsoft.com/office/drawing/2014/main" xmlns="" id="{E37D5BE1-33DD-4113-B979-AF3CD8C585B5}"/>
               </a:ext>
             </a:extLst>
           </p:cNvPr>
@@ -10839,7 +11111,7 @@
           <p:cNvPr id="26" name="직사각형 25">
             <a:extLst>
               <a:ext uri="{FF2B5EF4-FFF2-40B4-BE49-F238E27FC236}">
-                <a16:creationId xmlns:a16="http://schemas.microsoft.com/office/drawing/2014/main" id="{C388F75E-081B-411F-BECB-7CBB5302E23B}"/>
+                <a16:creationId xmlns:a16="http://schemas.microsoft.com/office/drawing/2014/main" xmlns="" id="{C388F75E-081B-411F-BECB-7CBB5302E23B}"/>
               </a:ext>
             </a:extLst>
           </p:cNvPr>
@@ -10883,7 +11155,7 @@
           <p:cNvPr id="27" name="그림 26">
             <a:extLst>
               <a:ext uri="{FF2B5EF4-FFF2-40B4-BE49-F238E27FC236}">
-                <a16:creationId xmlns:a16="http://schemas.microsoft.com/office/drawing/2014/main" id="{66172941-934E-4D13-A7D1-AEACA9B38EC8}"/>
+                <a16:creationId xmlns:a16="http://schemas.microsoft.com/office/drawing/2014/main" xmlns="" id="{66172941-934E-4D13-A7D1-AEACA9B38EC8}"/>
               </a:ext>
             </a:extLst>
           </p:cNvPr>
@@ -10943,7 +11215,7 @@
           <p:cNvPr id="4" name="제목 3">
             <a:extLst>
               <a:ext uri="{FF2B5EF4-FFF2-40B4-BE49-F238E27FC236}">
-                <a16:creationId xmlns:a16="http://schemas.microsoft.com/office/drawing/2014/main" id="{EB6D438C-A184-447B-ACCE-00753F422508}"/>
+                <a16:creationId xmlns:a16="http://schemas.microsoft.com/office/drawing/2014/main" xmlns="" id="{EB6D438C-A184-447B-ACCE-00753F422508}"/>
               </a:ext>
             </a:extLst>
           </p:cNvPr>
@@ -10971,7 +11243,7 @@
           <p:cNvPr id="14" name="TextBox 13">
             <a:extLst>
               <a:ext uri="{FF2B5EF4-FFF2-40B4-BE49-F238E27FC236}">
-                <a16:creationId xmlns:a16="http://schemas.microsoft.com/office/drawing/2014/main" id="{2B93293D-2258-4A41-A10A-D1FC01809171}"/>
+                <a16:creationId xmlns:a16="http://schemas.microsoft.com/office/drawing/2014/main" xmlns="" id="{2B93293D-2258-4A41-A10A-D1FC01809171}"/>
               </a:ext>
             </a:extLst>
           </p:cNvPr>
@@ -11007,7 +11279,7 @@
           <p:cNvPr id="16" name="직사각형 15">
             <a:extLst>
               <a:ext uri="{FF2B5EF4-FFF2-40B4-BE49-F238E27FC236}">
-                <a16:creationId xmlns:a16="http://schemas.microsoft.com/office/drawing/2014/main" id="{52C320CB-EC71-471E-B439-1423E5D6D633}"/>
+                <a16:creationId xmlns:a16="http://schemas.microsoft.com/office/drawing/2014/main" xmlns="" id="{52C320CB-EC71-471E-B439-1423E5D6D633}"/>
               </a:ext>
             </a:extLst>
           </p:cNvPr>
@@ -11066,7 +11338,7 @@
           <p:cNvPr id="6" name="직선 연결선 5">
             <a:extLst>
               <a:ext uri="{FF2B5EF4-FFF2-40B4-BE49-F238E27FC236}">
-                <a16:creationId xmlns:a16="http://schemas.microsoft.com/office/drawing/2014/main" id="{601FA0FC-8042-44C4-B5B9-01934247F95C}"/>
+                <a16:creationId xmlns:a16="http://schemas.microsoft.com/office/drawing/2014/main" xmlns="" id="{601FA0FC-8042-44C4-B5B9-01934247F95C}"/>
               </a:ext>
             </a:extLst>
           </p:cNvPr>
@@ -11107,7 +11379,7 @@
           <p:cNvPr id="18" name="직선 연결선 17">
             <a:extLst>
               <a:ext uri="{FF2B5EF4-FFF2-40B4-BE49-F238E27FC236}">
-                <a16:creationId xmlns:a16="http://schemas.microsoft.com/office/drawing/2014/main" id="{84842BFF-4CA7-465C-93B4-B3311597E831}"/>
+                <a16:creationId xmlns:a16="http://schemas.microsoft.com/office/drawing/2014/main" xmlns="" id="{84842BFF-4CA7-465C-93B4-B3311597E831}"/>
               </a:ext>
             </a:extLst>
           </p:cNvPr>
@@ -11148,7 +11420,7 @@
           <p:cNvPr id="20" name="직사각형 19">
             <a:extLst>
               <a:ext uri="{FF2B5EF4-FFF2-40B4-BE49-F238E27FC236}">
-                <a16:creationId xmlns:a16="http://schemas.microsoft.com/office/drawing/2014/main" id="{3F03B399-5DF4-4344-91A4-C417D7B010CF}"/>
+                <a16:creationId xmlns:a16="http://schemas.microsoft.com/office/drawing/2014/main" xmlns="" id="{3F03B399-5DF4-4344-91A4-C417D7B010CF}"/>
               </a:ext>
             </a:extLst>
           </p:cNvPr>
@@ -11192,7 +11464,7 @@
           <p:cNvPr id="22" name="직사각형 21">
             <a:extLst>
               <a:ext uri="{FF2B5EF4-FFF2-40B4-BE49-F238E27FC236}">
-                <a16:creationId xmlns:a16="http://schemas.microsoft.com/office/drawing/2014/main" id="{0E035791-2043-4469-AA9F-1C10F0D84E84}"/>
+                <a16:creationId xmlns:a16="http://schemas.microsoft.com/office/drawing/2014/main" xmlns="" id="{0E035791-2043-4469-AA9F-1C10F0D84E84}"/>
               </a:ext>
             </a:extLst>
           </p:cNvPr>
@@ -11236,7 +11508,7 @@
           <p:cNvPr id="9" name="그림 8">
             <a:extLst>
               <a:ext uri="{FF2B5EF4-FFF2-40B4-BE49-F238E27FC236}">
-                <a16:creationId xmlns:a16="http://schemas.microsoft.com/office/drawing/2014/main" id="{EC41B852-380D-4729-B298-E987A5AF50CE}"/>
+                <a16:creationId xmlns:a16="http://schemas.microsoft.com/office/drawing/2014/main" xmlns="" id="{EC41B852-380D-4729-B298-E987A5AF50CE}"/>
               </a:ext>
             </a:extLst>
           </p:cNvPr>
@@ -11266,7 +11538,7 @@
           <p:cNvPr id="10" name="TextBox 9">
             <a:extLst>
               <a:ext uri="{FF2B5EF4-FFF2-40B4-BE49-F238E27FC236}">
-                <a16:creationId xmlns:a16="http://schemas.microsoft.com/office/drawing/2014/main" id="{E88E2236-5C88-4BA2-B609-9726286848B2}"/>
+                <a16:creationId xmlns:a16="http://schemas.microsoft.com/office/drawing/2014/main" xmlns="" id="{E88E2236-5C88-4BA2-B609-9726286848B2}"/>
               </a:ext>
             </a:extLst>
           </p:cNvPr>
@@ -11298,6 +11570,10 @@
               <a:rPr lang="ko-KR" altLang="en-US" sz="1100"/>
               <a:t>대부분의 단말기 해상도와 </a:t>
             </a:r>
+            <a:r>
+              <a:rPr lang="en-US" altLang="ko-KR" sz="1100"/>
+              <a:t/>
+            </a:r>
             <a:br>
               <a:rPr lang="en-US" altLang="ko-KR" sz="1100"/>
             </a:br>
@@ -11313,7 +11589,7 @@
           <p:cNvPr id="24" name="그림 23">
             <a:extLst>
               <a:ext uri="{FF2B5EF4-FFF2-40B4-BE49-F238E27FC236}">
-                <a16:creationId xmlns:a16="http://schemas.microsoft.com/office/drawing/2014/main" id="{9B170959-3A48-4EE8-B581-35FCE14F2BF3}"/>
+                <a16:creationId xmlns:a16="http://schemas.microsoft.com/office/drawing/2014/main" xmlns="" id="{9B170959-3A48-4EE8-B581-35FCE14F2BF3}"/>
               </a:ext>
             </a:extLst>
           </p:cNvPr>
@@ -11343,7 +11619,7 @@
           <p:cNvPr id="27" name="그림 26">
             <a:extLst>
               <a:ext uri="{FF2B5EF4-FFF2-40B4-BE49-F238E27FC236}">
-                <a16:creationId xmlns:a16="http://schemas.microsoft.com/office/drawing/2014/main" id="{03B913ED-E63A-434B-912C-D5B0D41A657E}"/>
+                <a16:creationId xmlns:a16="http://schemas.microsoft.com/office/drawing/2014/main" xmlns="" id="{03B913ED-E63A-434B-912C-D5B0D41A657E}"/>
               </a:ext>
             </a:extLst>
           </p:cNvPr>
@@ -11373,7 +11649,7 @@
           <p:cNvPr id="28" name="TextBox 27">
             <a:extLst>
               <a:ext uri="{FF2B5EF4-FFF2-40B4-BE49-F238E27FC236}">
-                <a16:creationId xmlns:a16="http://schemas.microsoft.com/office/drawing/2014/main" id="{177C0AF3-5981-49C1-8FDC-B5B50847416C}"/>
+                <a16:creationId xmlns:a16="http://schemas.microsoft.com/office/drawing/2014/main" xmlns="" id="{177C0AF3-5981-49C1-8FDC-B5B50847416C}"/>
               </a:ext>
             </a:extLst>
           </p:cNvPr>
@@ -11425,7 +11701,7 @@
           <p:cNvPr id="29" name="TextBox 28">
             <a:extLst>
               <a:ext uri="{FF2B5EF4-FFF2-40B4-BE49-F238E27FC236}">
-                <a16:creationId xmlns:a16="http://schemas.microsoft.com/office/drawing/2014/main" id="{CF509433-90CB-4064-A75E-763C7868F5AF}"/>
+                <a16:creationId xmlns:a16="http://schemas.microsoft.com/office/drawing/2014/main" xmlns="" id="{CF509433-90CB-4064-A75E-763C7868F5AF}"/>
               </a:ext>
             </a:extLst>
           </p:cNvPr>
@@ -11457,6 +11733,10 @@
               <a:rPr lang="ko-KR" altLang="en-US" sz="1100"/>
               <a:t>스마트폰이나 태블릿에서 기기를 가로나 </a:t>
             </a:r>
+            <a:r>
+              <a:rPr lang="en-US" altLang="ko-KR" sz="1100"/>
+              <a:t/>
+            </a:r>
             <a:br>
               <a:rPr lang="en-US" altLang="ko-KR" sz="1100"/>
             </a:br>
@@ -11472,7 +11752,7 @@
           <p:cNvPr id="30" name="TextBox 29">
             <a:extLst>
               <a:ext uri="{FF2B5EF4-FFF2-40B4-BE49-F238E27FC236}">
-                <a16:creationId xmlns:a16="http://schemas.microsoft.com/office/drawing/2014/main" id="{4A7D3DB3-8C03-49DE-A881-028335487B5F}"/>
+                <a16:creationId xmlns:a16="http://schemas.microsoft.com/office/drawing/2014/main" xmlns="" id="{4A7D3DB3-8C03-49DE-A881-028335487B5F}"/>
               </a:ext>
             </a:extLst>
           </p:cNvPr>
@@ -11532,7 +11812,7 @@
           <p:cNvPr id="32" name="그림 31">
             <a:extLst>
               <a:ext uri="{FF2B5EF4-FFF2-40B4-BE49-F238E27FC236}">
-                <a16:creationId xmlns:a16="http://schemas.microsoft.com/office/drawing/2014/main" id="{08DE7156-897A-4166-83F6-4F7AA7DF43F8}"/>
+                <a16:creationId xmlns:a16="http://schemas.microsoft.com/office/drawing/2014/main" xmlns="" id="{08DE7156-897A-4166-83F6-4F7AA7DF43F8}"/>
               </a:ext>
             </a:extLst>
           </p:cNvPr>
@@ -11562,7 +11842,7 @@
           <p:cNvPr id="35" name="TextBox 34">
             <a:extLst>
               <a:ext uri="{FF2B5EF4-FFF2-40B4-BE49-F238E27FC236}">
-                <a16:creationId xmlns:a16="http://schemas.microsoft.com/office/drawing/2014/main" id="{5C61FED5-40CA-41F2-861B-E873F8EF48ED}"/>
+                <a16:creationId xmlns:a16="http://schemas.microsoft.com/office/drawing/2014/main" xmlns="" id="{5C61FED5-40CA-41F2-861B-E873F8EF48ED}"/>
               </a:ext>
             </a:extLst>
           </p:cNvPr>
@@ -11638,7 +11918,7 @@
           <p:cNvPr id="37" name="그림 36">
             <a:extLst>
               <a:ext uri="{FF2B5EF4-FFF2-40B4-BE49-F238E27FC236}">
-                <a16:creationId xmlns:a16="http://schemas.microsoft.com/office/drawing/2014/main" id="{14E6549A-FB18-4E6F-ADE4-755F536E3E20}"/>
+                <a16:creationId xmlns:a16="http://schemas.microsoft.com/office/drawing/2014/main" xmlns="" id="{14E6549A-FB18-4E6F-ADE4-755F536E3E20}"/>
               </a:ext>
             </a:extLst>
           </p:cNvPr>
@@ -11698,7 +11978,7 @@
           <p:cNvPr id="4" name="제목 3">
             <a:extLst>
               <a:ext uri="{FF2B5EF4-FFF2-40B4-BE49-F238E27FC236}">
-                <a16:creationId xmlns:a16="http://schemas.microsoft.com/office/drawing/2014/main" id="{EB6D438C-A184-447B-ACCE-00753F422508}"/>
+                <a16:creationId xmlns:a16="http://schemas.microsoft.com/office/drawing/2014/main" xmlns="" id="{EB6D438C-A184-447B-ACCE-00753F422508}"/>
               </a:ext>
             </a:extLst>
           </p:cNvPr>
@@ -11726,7 +12006,7 @@
           <p:cNvPr id="14" name="TextBox 13">
             <a:extLst>
               <a:ext uri="{FF2B5EF4-FFF2-40B4-BE49-F238E27FC236}">
-                <a16:creationId xmlns:a16="http://schemas.microsoft.com/office/drawing/2014/main" id="{2B93293D-2258-4A41-A10A-D1FC01809171}"/>
+                <a16:creationId xmlns:a16="http://schemas.microsoft.com/office/drawing/2014/main" xmlns="" id="{2B93293D-2258-4A41-A10A-D1FC01809171}"/>
               </a:ext>
             </a:extLst>
           </p:cNvPr>
@@ -11762,7 +12042,7 @@
           <p:cNvPr id="19" name="직사각형 18">
             <a:extLst>
               <a:ext uri="{FF2B5EF4-FFF2-40B4-BE49-F238E27FC236}">
-                <a16:creationId xmlns:a16="http://schemas.microsoft.com/office/drawing/2014/main" id="{D0C4A250-2B38-4202-9EAA-803449D91BFD}"/>
+                <a16:creationId xmlns:a16="http://schemas.microsoft.com/office/drawing/2014/main" xmlns="" id="{D0C4A250-2B38-4202-9EAA-803449D91BFD}"/>
               </a:ext>
             </a:extLst>
           </p:cNvPr>
@@ -11960,7 +12240,7 @@
           <p:cNvPr id="2" name="TextBox 1">
             <a:extLst>
               <a:ext uri="{FF2B5EF4-FFF2-40B4-BE49-F238E27FC236}">
-                <a16:creationId xmlns:a16="http://schemas.microsoft.com/office/drawing/2014/main" id="{038E29E6-E516-456E-96BA-6236F72FA7F0}"/>
+                <a16:creationId xmlns:a16="http://schemas.microsoft.com/office/drawing/2014/main" xmlns="" id="{038E29E6-E516-456E-96BA-6236F72FA7F0}"/>
               </a:ext>
             </a:extLst>
           </p:cNvPr>
@@ -12215,7 +12495,7 @@
           <p:cNvPr id="4" name="제목 3">
             <a:extLst>
               <a:ext uri="{FF2B5EF4-FFF2-40B4-BE49-F238E27FC236}">
-                <a16:creationId xmlns:a16="http://schemas.microsoft.com/office/drawing/2014/main" id="{EB6D438C-A184-447B-ACCE-00753F422508}"/>
+                <a16:creationId xmlns:a16="http://schemas.microsoft.com/office/drawing/2014/main" xmlns="" id="{EB6D438C-A184-447B-ACCE-00753F422508}"/>
               </a:ext>
             </a:extLst>
           </p:cNvPr>
@@ -12243,7 +12523,7 @@
           <p:cNvPr id="14" name="TextBox 13">
             <a:extLst>
               <a:ext uri="{FF2B5EF4-FFF2-40B4-BE49-F238E27FC236}">
-                <a16:creationId xmlns:a16="http://schemas.microsoft.com/office/drawing/2014/main" id="{2B93293D-2258-4A41-A10A-D1FC01809171}"/>
+                <a16:creationId xmlns:a16="http://schemas.microsoft.com/office/drawing/2014/main" xmlns="" id="{2B93293D-2258-4A41-A10A-D1FC01809171}"/>
               </a:ext>
             </a:extLst>
           </p:cNvPr>
@@ -12279,7 +12559,7 @@
           <p:cNvPr id="6" name="직사각형 5">
             <a:extLst>
               <a:ext uri="{FF2B5EF4-FFF2-40B4-BE49-F238E27FC236}">
-                <a16:creationId xmlns:a16="http://schemas.microsoft.com/office/drawing/2014/main" id="{21DDBFF5-AE70-4E46-8F9F-1EEAD3B30D6E}"/>
+                <a16:creationId xmlns:a16="http://schemas.microsoft.com/office/drawing/2014/main" xmlns="" id="{21DDBFF5-AE70-4E46-8F9F-1EEAD3B30D6E}"/>
               </a:ext>
             </a:extLst>
           </p:cNvPr>
@@ -12341,7 +12621,7 @@
           <p:cNvPr id="7" name="직사각형 6">
             <a:extLst>
               <a:ext uri="{FF2B5EF4-FFF2-40B4-BE49-F238E27FC236}">
-                <a16:creationId xmlns:a16="http://schemas.microsoft.com/office/drawing/2014/main" id="{52A26F7A-48D5-4F1C-9CD3-9698CCDEAB00}"/>
+                <a16:creationId xmlns:a16="http://schemas.microsoft.com/office/drawing/2014/main" xmlns="" id="{52A26F7A-48D5-4F1C-9CD3-9698CCDEAB00}"/>
               </a:ext>
             </a:extLst>
           </p:cNvPr>
@@ -12393,7 +12673,7 @@
           <p:cNvPr id="8" name="직사각형 7">
             <a:extLst>
               <a:ext uri="{FF2B5EF4-FFF2-40B4-BE49-F238E27FC236}">
-                <a16:creationId xmlns:a16="http://schemas.microsoft.com/office/drawing/2014/main" id="{812225A0-1199-4230-AF48-46EA63E682CF}"/>
+                <a16:creationId xmlns:a16="http://schemas.microsoft.com/office/drawing/2014/main" xmlns="" id="{812225A0-1199-4230-AF48-46EA63E682CF}"/>
               </a:ext>
             </a:extLst>
           </p:cNvPr>
@@ -12449,7 +12729,7 @@
           <p:cNvPr id="10" name="직사각형 9">
             <a:extLst>
               <a:ext uri="{FF2B5EF4-FFF2-40B4-BE49-F238E27FC236}">
-                <a16:creationId xmlns:a16="http://schemas.microsoft.com/office/drawing/2014/main" id="{4AE03430-E13D-47BE-BA82-10807AA49BEE}"/>
+                <a16:creationId xmlns:a16="http://schemas.microsoft.com/office/drawing/2014/main" xmlns="" id="{4AE03430-E13D-47BE-BA82-10807AA49BEE}"/>
               </a:ext>
             </a:extLst>
           </p:cNvPr>
@@ -12505,7 +12785,7 @@
           <p:cNvPr id="11" name="직사각형 10">
             <a:extLst>
               <a:ext uri="{FF2B5EF4-FFF2-40B4-BE49-F238E27FC236}">
-                <a16:creationId xmlns:a16="http://schemas.microsoft.com/office/drawing/2014/main" id="{92368304-D2B4-47F9-BA08-3593053E8B5B}"/>
+                <a16:creationId xmlns:a16="http://schemas.microsoft.com/office/drawing/2014/main" xmlns="" id="{92368304-D2B4-47F9-BA08-3593053E8B5B}"/>
               </a:ext>
             </a:extLst>
           </p:cNvPr>
@@ -12556,7 +12836,7 @@
           <p:cNvPr id="15" name="그림 14">
             <a:extLst>
               <a:ext uri="{FF2B5EF4-FFF2-40B4-BE49-F238E27FC236}">
-                <a16:creationId xmlns:a16="http://schemas.microsoft.com/office/drawing/2014/main" id="{2CE66E05-FE67-4702-BB59-BB9CA74D3A22}"/>
+                <a16:creationId xmlns:a16="http://schemas.microsoft.com/office/drawing/2014/main" xmlns="" id="{2CE66E05-FE67-4702-BB59-BB9CA74D3A22}"/>
               </a:ext>
             </a:extLst>
           </p:cNvPr>
@@ -12586,7 +12866,7 @@
           <p:cNvPr id="17" name="그림 16">
             <a:extLst>
               <a:ext uri="{FF2B5EF4-FFF2-40B4-BE49-F238E27FC236}">
-                <a16:creationId xmlns:a16="http://schemas.microsoft.com/office/drawing/2014/main" id="{44964506-13F3-40A8-8434-0AE7E34E804C}"/>
+                <a16:creationId xmlns:a16="http://schemas.microsoft.com/office/drawing/2014/main" xmlns="" id="{44964506-13F3-40A8-8434-0AE7E34E804C}"/>
               </a:ext>
             </a:extLst>
           </p:cNvPr>
@@ -12616,7 +12896,7 @@
           <p:cNvPr id="23" name="그룹 22">
             <a:extLst>
               <a:ext uri="{FF2B5EF4-FFF2-40B4-BE49-F238E27FC236}">
-                <a16:creationId xmlns:a16="http://schemas.microsoft.com/office/drawing/2014/main" id="{47739E56-ED5A-427D-B44F-5A44C7B63A04}"/>
+                <a16:creationId xmlns:a16="http://schemas.microsoft.com/office/drawing/2014/main" xmlns="" id="{47739E56-ED5A-427D-B44F-5A44C7B63A04}"/>
               </a:ext>
             </a:extLst>
           </p:cNvPr>
@@ -12636,7 +12916,7 @@
             <p:cNvPr id="18" name="TextBox 17">
               <a:extLst>
                 <a:ext uri="{FF2B5EF4-FFF2-40B4-BE49-F238E27FC236}">
-                  <a16:creationId xmlns:a16="http://schemas.microsoft.com/office/drawing/2014/main" id="{55342DF5-4050-4F6B-B930-C683CBBE43D8}"/>
+                  <a16:creationId xmlns:a16="http://schemas.microsoft.com/office/drawing/2014/main" xmlns="" id="{55342DF5-4050-4F6B-B930-C683CBBE43D8}"/>
                 </a:ext>
               </a:extLst>
             </p:cNvPr>
@@ -12688,7 +12968,7 @@
             <p:cNvPr id="22" name="그림 21">
               <a:extLst>
                 <a:ext uri="{FF2B5EF4-FFF2-40B4-BE49-F238E27FC236}">
-                  <a16:creationId xmlns:a16="http://schemas.microsoft.com/office/drawing/2014/main" id="{1686FD05-62DD-46A2-AD1F-F2F45C571351}"/>
+                  <a16:creationId xmlns:a16="http://schemas.microsoft.com/office/drawing/2014/main" xmlns="" id="{1686FD05-62DD-46A2-AD1F-F2F45C571351}"/>
                 </a:ext>
               </a:extLst>
             </p:cNvPr>
@@ -12719,7 +12999,7 @@
           <p:cNvPr id="26" name="그룹 25">
             <a:extLst>
               <a:ext uri="{FF2B5EF4-FFF2-40B4-BE49-F238E27FC236}">
-                <a16:creationId xmlns:a16="http://schemas.microsoft.com/office/drawing/2014/main" id="{4693FE3C-4267-4718-9F3E-F2D458E98254}"/>
+                <a16:creationId xmlns:a16="http://schemas.microsoft.com/office/drawing/2014/main" xmlns="" id="{4693FE3C-4267-4718-9F3E-F2D458E98254}"/>
               </a:ext>
             </a:extLst>
           </p:cNvPr>
@@ -12739,7 +13019,7 @@
             <p:cNvPr id="20" name="TextBox 19">
               <a:extLst>
                 <a:ext uri="{FF2B5EF4-FFF2-40B4-BE49-F238E27FC236}">
-                  <a16:creationId xmlns:a16="http://schemas.microsoft.com/office/drawing/2014/main" id="{BB7E116B-C6CC-48C4-B99D-3727971DFFFA}"/>
+                  <a16:creationId xmlns:a16="http://schemas.microsoft.com/office/drawing/2014/main" xmlns="" id="{BB7E116B-C6CC-48C4-B99D-3727971DFFFA}"/>
                 </a:ext>
               </a:extLst>
             </p:cNvPr>
@@ -12791,7 +13071,7 @@
             <p:cNvPr id="25" name="그림 24">
               <a:extLst>
                 <a:ext uri="{FF2B5EF4-FFF2-40B4-BE49-F238E27FC236}">
-                  <a16:creationId xmlns:a16="http://schemas.microsoft.com/office/drawing/2014/main" id="{7FA97304-82F3-409C-83D5-1ED64FDCF108}"/>
+                  <a16:creationId xmlns:a16="http://schemas.microsoft.com/office/drawing/2014/main" xmlns="" id="{7FA97304-82F3-409C-83D5-1ED64FDCF108}"/>
                 </a:ext>
               </a:extLst>
             </p:cNvPr>
@@ -12822,7 +13102,7 @@
           <p:cNvPr id="28" name="직선 연결선 27">
             <a:extLst>
               <a:ext uri="{FF2B5EF4-FFF2-40B4-BE49-F238E27FC236}">
-                <a16:creationId xmlns:a16="http://schemas.microsoft.com/office/drawing/2014/main" id="{2B7CB128-826B-4590-97E6-79C9736C3346}"/>
+                <a16:creationId xmlns:a16="http://schemas.microsoft.com/office/drawing/2014/main" xmlns="" id="{2B7CB128-826B-4590-97E6-79C9736C3346}"/>
               </a:ext>
             </a:extLst>
           </p:cNvPr>
@@ -12861,7 +13141,7 @@
           <p:cNvPr id="29" name="직사각형 28">
             <a:extLst>
               <a:ext uri="{FF2B5EF4-FFF2-40B4-BE49-F238E27FC236}">
-                <a16:creationId xmlns:a16="http://schemas.microsoft.com/office/drawing/2014/main" id="{E603A75F-BFF0-4F7C-8549-86F42A8F8138}"/>
+                <a16:creationId xmlns:a16="http://schemas.microsoft.com/office/drawing/2014/main" xmlns="" id="{E603A75F-BFF0-4F7C-8549-86F42A8F8138}"/>
               </a:ext>
             </a:extLst>
           </p:cNvPr>
@@ -12911,7 +13191,7 @@
           <p:cNvPr id="30" name="직사각형 29">
             <a:extLst>
               <a:ext uri="{FF2B5EF4-FFF2-40B4-BE49-F238E27FC236}">
-                <a16:creationId xmlns:a16="http://schemas.microsoft.com/office/drawing/2014/main" id="{96F242E7-83EB-4E34-A385-0404382EF02D}"/>
+                <a16:creationId xmlns:a16="http://schemas.microsoft.com/office/drawing/2014/main" xmlns="" id="{96F242E7-83EB-4E34-A385-0404382EF02D}"/>
               </a:ext>
             </a:extLst>
           </p:cNvPr>
@@ -12979,7 +13259,7 @@
           <p:cNvPr id="31" name="직사각형 30">
             <a:extLst>
               <a:ext uri="{FF2B5EF4-FFF2-40B4-BE49-F238E27FC236}">
-                <a16:creationId xmlns:a16="http://schemas.microsoft.com/office/drawing/2014/main" id="{9A4AE23A-7E1C-4D85-9B19-3D469F399152}"/>
+                <a16:creationId xmlns:a16="http://schemas.microsoft.com/office/drawing/2014/main" xmlns="" id="{9A4AE23A-7E1C-4D85-9B19-3D469F399152}"/>
               </a:ext>
             </a:extLst>
           </p:cNvPr>
@@ -13035,7 +13315,7 @@
           <p:cNvPr id="35" name="그림 34">
             <a:extLst>
               <a:ext uri="{FF2B5EF4-FFF2-40B4-BE49-F238E27FC236}">
-                <a16:creationId xmlns:a16="http://schemas.microsoft.com/office/drawing/2014/main" id="{6F4A7D69-2702-4A68-909C-61AE19DB08ED}"/>
+                <a16:creationId xmlns:a16="http://schemas.microsoft.com/office/drawing/2014/main" xmlns="" id="{6F4A7D69-2702-4A68-909C-61AE19DB08ED}"/>
               </a:ext>
             </a:extLst>
           </p:cNvPr>
@@ -13065,7 +13345,7 @@
           <p:cNvPr id="37" name="그림 36">
             <a:extLst>
               <a:ext uri="{FF2B5EF4-FFF2-40B4-BE49-F238E27FC236}">
-                <a16:creationId xmlns:a16="http://schemas.microsoft.com/office/drawing/2014/main" id="{7D56BA8F-F152-4D20-8228-1DCB6DFF53B2}"/>
+                <a16:creationId xmlns:a16="http://schemas.microsoft.com/office/drawing/2014/main" xmlns="" id="{7D56BA8F-F152-4D20-8228-1DCB6DFF53B2}"/>
               </a:ext>
             </a:extLst>
           </p:cNvPr>
@@ -13095,7 +13375,7 @@
           <p:cNvPr id="45" name="그룹 44">
             <a:extLst>
               <a:ext uri="{FF2B5EF4-FFF2-40B4-BE49-F238E27FC236}">
-                <a16:creationId xmlns:a16="http://schemas.microsoft.com/office/drawing/2014/main" id="{DCEEB1E2-0151-42E6-BFB6-EE9571F084FE}"/>
+                <a16:creationId xmlns:a16="http://schemas.microsoft.com/office/drawing/2014/main" xmlns="" id="{DCEEB1E2-0151-42E6-BFB6-EE9571F084FE}"/>
               </a:ext>
             </a:extLst>
           </p:cNvPr>
@@ -13115,7 +13395,7 @@
             <p:cNvPr id="39" name="그림 38">
               <a:extLst>
                 <a:ext uri="{FF2B5EF4-FFF2-40B4-BE49-F238E27FC236}">
-                  <a16:creationId xmlns:a16="http://schemas.microsoft.com/office/drawing/2014/main" id="{39EBEB55-3634-42C5-AF2D-1A00F27338A4}"/>
+                  <a16:creationId xmlns:a16="http://schemas.microsoft.com/office/drawing/2014/main" xmlns="" id="{39EBEB55-3634-42C5-AF2D-1A00F27338A4}"/>
                 </a:ext>
               </a:extLst>
             </p:cNvPr>
@@ -13145,7 +13425,7 @@
             <p:cNvPr id="40" name="TextBox 39">
               <a:extLst>
                 <a:ext uri="{FF2B5EF4-FFF2-40B4-BE49-F238E27FC236}">
-                  <a16:creationId xmlns:a16="http://schemas.microsoft.com/office/drawing/2014/main" id="{D524A6F0-88B9-452D-80B3-6810A7F2FF9C}"/>
+                  <a16:creationId xmlns:a16="http://schemas.microsoft.com/office/drawing/2014/main" xmlns="" id="{D524A6F0-88B9-452D-80B3-6810A7F2FF9C}"/>
                 </a:ext>
               </a:extLst>
             </p:cNvPr>
@@ -13198,7 +13478,7 @@
           <p:cNvPr id="44" name="그룹 43">
             <a:extLst>
               <a:ext uri="{FF2B5EF4-FFF2-40B4-BE49-F238E27FC236}">
-                <a16:creationId xmlns:a16="http://schemas.microsoft.com/office/drawing/2014/main" id="{C0FF8D37-BD2C-41ED-9B43-DFFEC2BEE22A}"/>
+                <a16:creationId xmlns:a16="http://schemas.microsoft.com/office/drawing/2014/main" xmlns="" id="{C0FF8D37-BD2C-41ED-9B43-DFFEC2BEE22A}"/>
               </a:ext>
             </a:extLst>
           </p:cNvPr>
@@ -13218,7 +13498,7 @@
             <p:cNvPr id="42" name="그림 41">
               <a:extLst>
                 <a:ext uri="{FF2B5EF4-FFF2-40B4-BE49-F238E27FC236}">
-                  <a16:creationId xmlns:a16="http://schemas.microsoft.com/office/drawing/2014/main" id="{54FEE084-CE93-4FE0-8B09-3275D017E597}"/>
+                  <a16:creationId xmlns:a16="http://schemas.microsoft.com/office/drawing/2014/main" xmlns="" id="{54FEE084-CE93-4FE0-8B09-3275D017E597}"/>
                 </a:ext>
               </a:extLst>
             </p:cNvPr>
@@ -13248,7 +13528,7 @@
             <p:cNvPr id="43" name="TextBox 42">
               <a:extLst>
                 <a:ext uri="{FF2B5EF4-FFF2-40B4-BE49-F238E27FC236}">
-                  <a16:creationId xmlns:a16="http://schemas.microsoft.com/office/drawing/2014/main" id="{7D9501DD-6D49-46D2-BACD-A78A846DE885}"/>
+                  <a16:creationId xmlns:a16="http://schemas.microsoft.com/office/drawing/2014/main" xmlns="" id="{7D9501DD-6D49-46D2-BACD-A78A846DE885}"/>
                 </a:ext>
               </a:extLst>
             </p:cNvPr>
@@ -13331,7 +13611,7 @@
           <p:cNvPr id="2" name="제목 1">
             <a:extLst>
               <a:ext uri="{FF2B5EF4-FFF2-40B4-BE49-F238E27FC236}">
-                <a16:creationId xmlns:a16="http://schemas.microsoft.com/office/drawing/2014/main" id="{ECDF8A5A-B628-432A-A747-BEBDFA7F47B8}"/>
+                <a16:creationId xmlns:a16="http://schemas.microsoft.com/office/drawing/2014/main" xmlns="" id="{ECDF8A5A-B628-432A-A747-BEBDFA7F47B8}"/>
               </a:ext>
             </a:extLst>
           </p:cNvPr>
@@ -13359,7 +13639,7 @@
           <p:cNvPr id="3" name="TextBox 2">
             <a:extLst>
               <a:ext uri="{FF2B5EF4-FFF2-40B4-BE49-F238E27FC236}">
-                <a16:creationId xmlns:a16="http://schemas.microsoft.com/office/drawing/2014/main" id="{1E8C81C3-2233-4122-B7A1-DA221CE002C7}"/>
+                <a16:creationId xmlns:a16="http://schemas.microsoft.com/office/drawing/2014/main" xmlns="" id="{1E8C81C3-2233-4122-B7A1-DA221CE002C7}"/>
               </a:ext>
             </a:extLst>
           </p:cNvPr>
@@ -13395,7 +13675,7 @@
           <p:cNvPr id="4" name="직사각형 3">
             <a:extLst>
               <a:ext uri="{FF2B5EF4-FFF2-40B4-BE49-F238E27FC236}">
-                <a16:creationId xmlns:a16="http://schemas.microsoft.com/office/drawing/2014/main" id="{2DAE4E9E-3A7F-4B1C-9998-28E5843AE301}"/>
+                <a16:creationId xmlns:a16="http://schemas.microsoft.com/office/drawing/2014/main" xmlns="" id="{2DAE4E9E-3A7F-4B1C-9998-28E5843AE301}"/>
               </a:ext>
             </a:extLst>
           </p:cNvPr>
@@ -13490,7 +13770,7 @@
           <p:cNvPr id="5" name="TextBox 4">
             <a:extLst>
               <a:ext uri="{FF2B5EF4-FFF2-40B4-BE49-F238E27FC236}">
-                <a16:creationId xmlns:a16="http://schemas.microsoft.com/office/drawing/2014/main" id="{D9A01258-7FB9-4546-9147-7BE9043A2CCD}"/>
+                <a16:creationId xmlns:a16="http://schemas.microsoft.com/office/drawing/2014/main" xmlns="" id="{D9A01258-7FB9-4546-9147-7BE9043A2CCD}"/>
               </a:ext>
             </a:extLst>
           </p:cNvPr>
@@ -13526,7 +13806,7 @@
           <p:cNvPr id="6" name="직사각형 5">
             <a:extLst>
               <a:ext uri="{FF2B5EF4-FFF2-40B4-BE49-F238E27FC236}">
-                <a16:creationId xmlns:a16="http://schemas.microsoft.com/office/drawing/2014/main" id="{41B8992A-B7B8-4A16-96F2-3060F9039727}"/>
+                <a16:creationId xmlns:a16="http://schemas.microsoft.com/office/drawing/2014/main" xmlns="" id="{41B8992A-B7B8-4A16-96F2-3060F9039727}"/>
               </a:ext>
             </a:extLst>
           </p:cNvPr>
@@ -13612,7 +13892,7 @@
           <p:cNvPr id="10" name="그림 9">
             <a:extLst>
               <a:ext uri="{FF2B5EF4-FFF2-40B4-BE49-F238E27FC236}">
-                <a16:creationId xmlns:a16="http://schemas.microsoft.com/office/drawing/2014/main" id="{B8F8E64A-A504-48A0-A793-FB6D844F4C3F}"/>
+                <a16:creationId xmlns:a16="http://schemas.microsoft.com/office/drawing/2014/main" xmlns="" id="{B8F8E64A-A504-48A0-A793-FB6D844F4C3F}"/>
               </a:ext>
             </a:extLst>
           </p:cNvPr>
@@ -13678,7 +13958,7 @@
           <p:cNvPr id="2" name="제목 1">
             <a:extLst>
               <a:ext uri="{FF2B5EF4-FFF2-40B4-BE49-F238E27FC236}">
-                <a16:creationId xmlns:a16="http://schemas.microsoft.com/office/drawing/2014/main" id="{ECDF8A5A-B628-432A-A747-BEBDFA7F47B8}"/>
+                <a16:creationId xmlns:a16="http://schemas.microsoft.com/office/drawing/2014/main" xmlns="" id="{ECDF8A5A-B628-432A-A747-BEBDFA7F47B8}"/>
               </a:ext>
             </a:extLst>
           </p:cNvPr>
@@ -13706,7 +13986,7 @@
           <p:cNvPr id="3" name="TextBox 2">
             <a:extLst>
               <a:ext uri="{FF2B5EF4-FFF2-40B4-BE49-F238E27FC236}">
-                <a16:creationId xmlns:a16="http://schemas.microsoft.com/office/drawing/2014/main" id="{1E8C81C3-2233-4122-B7A1-DA221CE002C7}"/>
+                <a16:creationId xmlns:a16="http://schemas.microsoft.com/office/drawing/2014/main" xmlns="" id="{1E8C81C3-2233-4122-B7A1-DA221CE002C7}"/>
               </a:ext>
             </a:extLst>
           </p:cNvPr>
@@ -13742,7 +14022,7 @@
           <p:cNvPr id="8" name="TextBox 7">
             <a:extLst>
               <a:ext uri="{FF2B5EF4-FFF2-40B4-BE49-F238E27FC236}">
-                <a16:creationId xmlns:a16="http://schemas.microsoft.com/office/drawing/2014/main" id="{0A337F0E-D974-4823-8133-9CE4B9C309BC}"/>
+                <a16:creationId xmlns:a16="http://schemas.microsoft.com/office/drawing/2014/main" xmlns="" id="{0A337F0E-D974-4823-8133-9CE4B9C309BC}"/>
               </a:ext>
             </a:extLst>
           </p:cNvPr>
@@ -13793,7 +14073,7 @@
           <p:cNvPr id="9" name="직사각형 8">
             <a:extLst>
               <a:ext uri="{FF2B5EF4-FFF2-40B4-BE49-F238E27FC236}">
-                <a16:creationId xmlns:a16="http://schemas.microsoft.com/office/drawing/2014/main" id="{2AB16B1B-A706-4AA5-9AB6-3B0DE0E1E02C}"/>
+                <a16:creationId xmlns:a16="http://schemas.microsoft.com/office/drawing/2014/main" xmlns="" id="{2AB16B1B-A706-4AA5-9AB6-3B0DE0E1E02C}"/>
               </a:ext>
             </a:extLst>
           </p:cNvPr>
@@ -13859,7 +14139,7 @@
           <p:cNvPr id="11" name="그림 10">
             <a:extLst>
               <a:ext uri="{FF2B5EF4-FFF2-40B4-BE49-F238E27FC236}">
-                <a16:creationId xmlns:a16="http://schemas.microsoft.com/office/drawing/2014/main" id="{4262BEF6-A462-4A78-81A9-B03B276FD666}"/>
+                <a16:creationId xmlns:a16="http://schemas.microsoft.com/office/drawing/2014/main" xmlns="" id="{4262BEF6-A462-4A78-81A9-B03B276FD666}"/>
               </a:ext>
             </a:extLst>
           </p:cNvPr>
@@ -13889,7 +14169,7 @@
           <p:cNvPr id="12" name="TextBox 11">
             <a:extLst>
               <a:ext uri="{FF2B5EF4-FFF2-40B4-BE49-F238E27FC236}">
-                <a16:creationId xmlns:a16="http://schemas.microsoft.com/office/drawing/2014/main" id="{CFC1F207-3AA9-4174-9BC6-1E1BDDC22B82}"/>
+                <a16:creationId xmlns:a16="http://schemas.microsoft.com/office/drawing/2014/main" xmlns="" id="{CFC1F207-3AA9-4174-9BC6-1E1BDDC22B82}"/>
               </a:ext>
             </a:extLst>
           </p:cNvPr>
@@ -13929,7 +14209,7 @@
           <p:cNvPr id="13" name="직사각형 12">
             <a:extLst>
               <a:ext uri="{FF2B5EF4-FFF2-40B4-BE49-F238E27FC236}">
-                <a16:creationId xmlns:a16="http://schemas.microsoft.com/office/drawing/2014/main" id="{E51FB2C5-0209-47B6-AB3F-6376B1FB9809}"/>
+                <a16:creationId xmlns:a16="http://schemas.microsoft.com/office/drawing/2014/main" xmlns="" id="{E51FB2C5-0209-47B6-AB3F-6376B1FB9809}"/>
               </a:ext>
             </a:extLst>
           </p:cNvPr>
@@ -14025,7 +14305,7 @@
           <p:cNvPr id="15" name="그림 14">
             <a:extLst>
               <a:ext uri="{FF2B5EF4-FFF2-40B4-BE49-F238E27FC236}">
-                <a16:creationId xmlns:a16="http://schemas.microsoft.com/office/drawing/2014/main" id="{1F682690-3D28-44E3-B5C3-8918DAA2F027}"/>
+                <a16:creationId xmlns:a16="http://schemas.microsoft.com/office/drawing/2014/main" xmlns="" id="{1F682690-3D28-44E3-B5C3-8918DAA2F027}"/>
               </a:ext>
             </a:extLst>
           </p:cNvPr>
@@ -14352,7 +14632,7 @@
   <a:extraClrSchemeLst/>
   <a:extLst>
     <a:ext uri="{05A4C25C-085E-4340-85A3-A5531E510DB2}">
-      <thm15:themeFamily xmlns:thm15="http://schemas.microsoft.com/office/thememl/2012/main" name="HCJ" id="{0138D6AD-1EF3-49F9-B0E7-D994D6EA1170}" vid="{0129D1E7-6EDF-4F3F-8503-6FA2AFD39B8A}"/>
+      <thm15:themeFamily xmlns:thm15="http://schemas.microsoft.com/office/thememl/2012/main" xmlns="" name="HCJ" id="{0138D6AD-1EF3-49F9-B0E7-D994D6EA1170}" vid="{0129D1E7-6EDF-4F3F-8503-6FA2AFD39B8A}"/>
     </a:ext>
   </a:extLst>
 </a:theme>
